--- a/doc/Stegano-Praesentation.pptx
+++ b/doc/Stegano-Praesentation.pptx
@@ -4,9 +4,17 @@
   <p:sldMasterIdLst>
     <p:sldMasterId id="2147483648" r:id="rId1"/>
   </p:sldMasterIdLst>
+  <p:notesMasterIdLst>
+    <p:notesMasterId r:id="rId9"/>
+  </p:notesMasterIdLst>
   <p:sldIdLst>
     <p:sldId id="256" r:id="rId2"/>
     <p:sldId id="257" r:id="rId3"/>
+    <p:sldId id="258" r:id="rId4"/>
+    <p:sldId id="260" r:id="rId5"/>
+    <p:sldId id="259" r:id="rId6"/>
+    <p:sldId id="261" r:id="rId7"/>
+    <p:sldId id="262" r:id="rId8"/>
   </p:sldIdLst>
   <p:sldSz cx="9144000" cy="6858000" type="screen4x3"/>
   <p:notesSz cx="6858000" cy="9144000"/>
@@ -108,6 +116,773 @@
 </p:presentation>
 </file>
 
+<file path=ppt/notesMasters/notesMaster1.xml><?xml version="1.0" encoding="utf-8"?>
+<p:notesMaster xmlns:a="http://schemas.openxmlformats.org/drawingml/2006/main" xmlns:r="http://schemas.openxmlformats.org/officeDocument/2006/relationships" xmlns:p="http://schemas.openxmlformats.org/presentationml/2006/main">
+  <p:cSld>
+    <p:bg>
+      <p:bgRef idx="1001">
+        <a:schemeClr val="bg1"/>
+      </p:bgRef>
+    </p:bg>
+    <p:spTree>
+      <p:nvGrpSpPr>
+        <p:cNvPr id="1" name=""/>
+        <p:cNvGrpSpPr/>
+        <p:nvPr/>
+      </p:nvGrpSpPr>
+      <p:grpSpPr>
+        <a:xfrm>
+          <a:off x="0" y="0"/>
+          <a:ext cx="0" cy="0"/>
+          <a:chOff x="0" y="0"/>
+          <a:chExt cx="0" cy="0"/>
+        </a:xfrm>
+      </p:grpSpPr>
+      <p:sp>
+        <p:nvSpPr>
+          <p:cNvPr id="2" name="Kopfzeilenplatzhalter 1"/>
+          <p:cNvSpPr>
+            <a:spLocks noGrp="1"/>
+          </p:cNvSpPr>
+          <p:nvPr>
+            <p:ph type="hdr" sz="quarter"/>
+          </p:nvPr>
+        </p:nvSpPr>
+        <p:spPr>
+          <a:xfrm>
+            <a:off x="0" y="0"/>
+            <a:ext cx="2971800" cy="457200"/>
+          </a:xfrm>
+          <a:prstGeom prst="rect">
+            <a:avLst/>
+          </a:prstGeom>
+        </p:spPr>
+        <p:txBody>
+          <a:bodyPr vert="horz" lIns="91440" tIns="45720" rIns="91440" bIns="45720" rtlCol="0"/>
+          <a:lstStyle>
+            <a:lvl1pPr algn="l">
+              <a:defRPr sz="1200"/>
+            </a:lvl1pPr>
+          </a:lstStyle>
+          <a:p>
+            <a:endParaRPr lang="de-CH"/>
+          </a:p>
+        </p:txBody>
+      </p:sp>
+      <p:sp>
+        <p:nvSpPr>
+          <p:cNvPr id="3" name="Datumsplatzhalter 2"/>
+          <p:cNvSpPr>
+            <a:spLocks noGrp="1"/>
+          </p:cNvSpPr>
+          <p:nvPr>
+            <p:ph type="dt" idx="1"/>
+          </p:nvPr>
+        </p:nvSpPr>
+        <p:spPr>
+          <a:xfrm>
+            <a:off x="3884613" y="0"/>
+            <a:ext cx="2971800" cy="457200"/>
+          </a:xfrm>
+          <a:prstGeom prst="rect">
+            <a:avLst/>
+          </a:prstGeom>
+        </p:spPr>
+        <p:txBody>
+          <a:bodyPr vert="horz" lIns="91440" tIns="45720" rIns="91440" bIns="45720" rtlCol="0"/>
+          <a:lstStyle>
+            <a:lvl1pPr algn="r">
+              <a:defRPr sz="1200"/>
+            </a:lvl1pPr>
+          </a:lstStyle>
+          <a:p>
+            <a:fld id="{25A516CA-FEEA-4891-B841-346B6102FD16}" type="datetimeFigureOut">
+              <a:rPr lang="de-CH" smtClean="0"/>
+              <a:t>15.06.2012</a:t>
+            </a:fld>
+            <a:endParaRPr lang="de-CH"/>
+          </a:p>
+        </p:txBody>
+      </p:sp>
+      <p:sp>
+        <p:nvSpPr>
+          <p:cNvPr id="4" name="Folienbildplatzhalter 3"/>
+          <p:cNvSpPr>
+            <a:spLocks noGrp="1" noRot="1" noChangeAspect="1"/>
+          </p:cNvSpPr>
+          <p:nvPr>
+            <p:ph type="sldImg" idx="2"/>
+          </p:nvPr>
+        </p:nvSpPr>
+        <p:spPr>
+          <a:xfrm>
+            <a:off x="1143000" y="685800"/>
+            <a:ext cx="4572000" cy="3429000"/>
+          </a:xfrm>
+          <a:prstGeom prst="rect">
+            <a:avLst/>
+          </a:prstGeom>
+          <a:noFill/>
+          <a:ln w="12700">
+            <a:solidFill>
+              <a:prstClr val="black"/>
+            </a:solidFill>
+          </a:ln>
+        </p:spPr>
+        <p:txBody>
+          <a:bodyPr vert="horz" lIns="91440" tIns="45720" rIns="91440" bIns="45720" rtlCol="0" anchor="ctr"/>
+          <a:lstStyle/>
+          <a:p>
+            <a:endParaRPr lang="de-CH"/>
+          </a:p>
+        </p:txBody>
+      </p:sp>
+      <p:sp>
+        <p:nvSpPr>
+          <p:cNvPr id="5" name="Notizenplatzhalter 4"/>
+          <p:cNvSpPr>
+            <a:spLocks noGrp="1"/>
+          </p:cNvSpPr>
+          <p:nvPr>
+            <p:ph type="body" sz="quarter" idx="3"/>
+          </p:nvPr>
+        </p:nvSpPr>
+        <p:spPr>
+          <a:xfrm>
+            <a:off x="685800" y="4343400"/>
+            <a:ext cx="5486400" cy="4114800"/>
+          </a:xfrm>
+          <a:prstGeom prst="rect">
+            <a:avLst/>
+          </a:prstGeom>
+        </p:spPr>
+        <p:txBody>
+          <a:bodyPr vert="horz" lIns="91440" tIns="45720" rIns="91440" bIns="45720" rtlCol="0"/>
+          <a:lstStyle/>
+          <a:p>
+            <a:pPr lvl="0"/>
+            <a:r>
+              <a:rPr lang="de-DE" smtClean="0"/>
+              <a:t>Textmasterformat bearbeiten</a:t>
+            </a:r>
+          </a:p>
+          <a:p>
+            <a:pPr lvl="1"/>
+            <a:r>
+              <a:rPr lang="de-DE" smtClean="0"/>
+              <a:t>Zweite Ebene</a:t>
+            </a:r>
+          </a:p>
+          <a:p>
+            <a:pPr lvl="2"/>
+            <a:r>
+              <a:rPr lang="de-DE" smtClean="0"/>
+              <a:t>Dritte Ebene</a:t>
+            </a:r>
+          </a:p>
+          <a:p>
+            <a:pPr lvl="3"/>
+            <a:r>
+              <a:rPr lang="de-DE" smtClean="0"/>
+              <a:t>Vierte Ebene</a:t>
+            </a:r>
+          </a:p>
+          <a:p>
+            <a:pPr lvl="4"/>
+            <a:r>
+              <a:rPr lang="de-DE" smtClean="0"/>
+              <a:t>Fünfte Ebene</a:t>
+            </a:r>
+            <a:endParaRPr lang="de-CH"/>
+          </a:p>
+        </p:txBody>
+      </p:sp>
+      <p:sp>
+        <p:nvSpPr>
+          <p:cNvPr id="6" name="Fußzeilenplatzhalter 5"/>
+          <p:cNvSpPr>
+            <a:spLocks noGrp="1"/>
+          </p:cNvSpPr>
+          <p:nvPr>
+            <p:ph type="ftr" sz="quarter" idx="4"/>
+          </p:nvPr>
+        </p:nvSpPr>
+        <p:spPr>
+          <a:xfrm>
+            <a:off x="0" y="8685213"/>
+            <a:ext cx="2971800" cy="457200"/>
+          </a:xfrm>
+          <a:prstGeom prst="rect">
+            <a:avLst/>
+          </a:prstGeom>
+        </p:spPr>
+        <p:txBody>
+          <a:bodyPr vert="horz" lIns="91440" tIns="45720" rIns="91440" bIns="45720" rtlCol="0" anchor="b"/>
+          <a:lstStyle>
+            <a:lvl1pPr algn="l">
+              <a:defRPr sz="1200"/>
+            </a:lvl1pPr>
+          </a:lstStyle>
+          <a:p>
+            <a:endParaRPr lang="de-CH"/>
+          </a:p>
+        </p:txBody>
+      </p:sp>
+      <p:sp>
+        <p:nvSpPr>
+          <p:cNvPr id="7" name="Foliennummernplatzhalter 6"/>
+          <p:cNvSpPr>
+            <a:spLocks noGrp="1"/>
+          </p:cNvSpPr>
+          <p:nvPr>
+            <p:ph type="sldNum" sz="quarter" idx="5"/>
+          </p:nvPr>
+        </p:nvSpPr>
+        <p:spPr>
+          <a:xfrm>
+            <a:off x="3884613" y="8685213"/>
+            <a:ext cx="2971800" cy="457200"/>
+          </a:xfrm>
+          <a:prstGeom prst="rect">
+            <a:avLst/>
+          </a:prstGeom>
+        </p:spPr>
+        <p:txBody>
+          <a:bodyPr vert="horz" lIns="91440" tIns="45720" rIns="91440" bIns="45720" rtlCol="0" anchor="b"/>
+          <a:lstStyle>
+            <a:lvl1pPr algn="r">
+              <a:defRPr sz="1200"/>
+            </a:lvl1pPr>
+          </a:lstStyle>
+          <a:p>
+            <a:fld id="{ED7E74AB-89F2-4CA8-B1E2-4EFAA6854E58}" type="slidenum">
+              <a:rPr lang="de-CH" smtClean="0"/>
+              <a:t>‹Nr.›</a:t>
+            </a:fld>
+            <a:endParaRPr lang="de-CH"/>
+          </a:p>
+        </p:txBody>
+      </p:sp>
+    </p:spTree>
+    <p:extLst>
+      <p:ext uri="{BB962C8B-B14F-4D97-AF65-F5344CB8AC3E}">
+        <p14:creationId xmlns:p14="http://schemas.microsoft.com/office/powerpoint/2010/main" val="1944309093"/>
+      </p:ext>
+    </p:extLst>
+  </p:cSld>
+  <p:clrMap bg1="lt1" tx1="dk1" bg2="lt2" tx2="dk2" accent1="accent1" accent2="accent2" accent3="accent3" accent4="accent4" accent5="accent5" accent6="accent6" hlink="hlink" folHlink="folHlink"/>
+  <p:notesStyle>
+    <a:lvl1pPr marL="0" algn="l" defTabSz="914400" rtl="0" eaLnBrk="1" latinLnBrk="0" hangingPunct="1">
+      <a:defRPr sz="1200" kern="1200">
+        <a:solidFill>
+          <a:schemeClr val="tx1"/>
+        </a:solidFill>
+        <a:latin typeface="+mn-lt"/>
+        <a:ea typeface="+mn-ea"/>
+        <a:cs typeface="+mn-cs"/>
+      </a:defRPr>
+    </a:lvl1pPr>
+    <a:lvl2pPr marL="457200" algn="l" defTabSz="914400" rtl="0" eaLnBrk="1" latinLnBrk="0" hangingPunct="1">
+      <a:defRPr sz="1200" kern="1200">
+        <a:solidFill>
+          <a:schemeClr val="tx1"/>
+        </a:solidFill>
+        <a:latin typeface="+mn-lt"/>
+        <a:ea typeface="+mn-ea"/>
+        <a:cs typeface="+mn-cs"/>
+      </a:defRPr>
+    </a:lvl2pPr>
+    <a:lvl3pPr marL="914400" algn="l" defTabSz="914400" rtl="0" eaLnBrk="1" latinLnBrk="0" hangingPunct="1">
+      <a:defRPr sz="1200" kern="1200">
+        <a:solidFill>
+          <a:schemeClr val="tx1"/>
+        </a:solidFill>
+        <a:latin typeface="+mn-lt"/>
+        <a:ea typeface="+mn-ea"/>
+        <a:cs typeface="+mn-cs"/>
+      </a:defRPr>
+    </a:lvl3pPr>
+    <a:lvl4pPr marL="1371600" algn="l" defTabSz="914400" rtl="0" eaLnBrk="1" latinLnBrk="0" hangingPunct="1">
+      <a:defRPr sz="1200" kern="1200">
+        <a:solidFill>
+          <a:schemeClr val="tx1"/>
+        </a:solidFill>
+        <a:latin typeface="+mn-lt"/>
+        <a:ea typeface="+mn-ea"/>
+        <a:cs typeface="+mn-cs"/>
+      </a:defRPr>
+    </a:lvl4pPr>
+    <a:lvl5pPr marL="1828800" algn="l" defTabSz="914400" rtl="0" eaLnBrk="1" latinLnBrk="0" hangingPunct="1">
+      <a:defRPr sz="1200" kern="1200">
+        <a:solidFill>
+          <a:schemeClr val="tx1"/>
+        </a:solidFill>
+        <a:latin typeface="+mn-lt"/>
+        <a:ea typeface="+mn-ea"/>
+        <a:cs typeface="+mn-cs"/>
+      </a:defRPr>
+    </a:lvl5pPr>
+    <a:lvl6pPr marL="2286000" algn="l" defTabSz="914400" rtl="0" eaLnBrk="1" latinLnBrk="0" hangingPunct="1">
+      <a:defRPr sz="1200" kern="1200">
+        <a:solidFill>
+          <a:schemeClr val="tx1"/>
+        </a:solidFill>
+        <a:latin typeface="+mn-lt"/>
+        <a:ea typeface="+mn-ea"/>
+        <a:cs typeface="+mn-cs"/>
+      </a:defRPr>
+    </a:lvl6pPr>
+    <a:lvl7pPr marL="2743200" algn="l" defTabSz="914400" rtl="0" eaLnBrk="1" latinLnBrk="0" hangingPunct="1">
+      <a:defRPr sz="1200" kern="1200">
+        <a:solidFill>
+          <a:schemeClr val="tx1"/>
+        </a:solidFill>
+        <a:latin typeface="+mn-lt"/>
+        <a:ea typeface="+mn-ea"/>
+        <a:cs typeface="+mn-cs"/>
+      </a:defRPr>
+    </a:lvl7pPr>
+    <a:lvl8pPr marL="3200400" algn="l" defTabSz="914400" rtl="0" eaLnBrk="1" latinLnBrk="0" hangingPunct="1">
+      <a:defRPr sz="1200" kern="1200">
+        <a:solidFill>
+          <a:schemeClr val="tx1"/>
+        </a:solidFill>
+        <a:latin typeface="+mn-lt"/>
+        <a:ea typeface="+mn-ea"/>
+        <a:cs typeface="+mn-cs"/>
+      </a:defRPr>
+    </a:lvl8pPr>
+    <a:lvl9pPr marL="3657600" algn="l" defTabSz="914400" rtl="0" eaLnBrk="1" latinLnBrk="0" hangingPunct="1">
+      <a:defRPr sz="1200" kern="1200">
+        <a:solidFill>
+          <a:schemeClr val="tx1"/>
+        </a:solidFill>
+        <a:latin typeface="+mn-lt"/>
+        <a:ea typeface="+mn-ea"/>
+        <a:cs typeface="+mn-cs"/>
+      </a:defRPr>
+    </a:lvl9pPr>
+  </p:notesStyle>
+</p:notesMaster>
+</file>
+
+<file path=ppt/notesSlides/notesSlide1.xml><?xml version="1.0" encoding="utf-8"?>
+<p:notes xmlns:a="http://schemas.openxmlformats.org/drawingml/2006/main" xmlns:r="http://schemas.openxmlformats.org/officeDocument/2006/relationships" xmlns:p="http://schemas.openxmlformats.org/presentationml/2006/main">
+  <p:cSld>
+    <p:spTree>
+      <p:nvGrpSpPr>
+        <p:cNvPr id="1" name=""/>
+        <p:cNvGrpSpPr/>
+        <p:nvPr/>
+      </p:nvGrpSpPr>
+      <p:grpSpPr>
+        <a:xfrm>
+          <a:off x="0" y="0"/>
+          <a:ext cx="0" cy="0"/>
+          <a:chOff x="0" y="0"/>
+          <a:chExt cx="0" cy="0"/>
+        </a:xfrm>
+      </p:grpSpPr>
+      <p:sp>
+        <p:nvSpPr>
+          <p:cNvPr id="2" name="Folienbildplatzhalter 1"/>
+          <p:cNvSpPr>
+            <a:spLocks noGrp="1" noRot="1" noChangeAspect="1"/>
+          </p:cNvSpPr>
+          <p:nvPr>
+            <p:ph type="sldImg"/>
+          </p:nvPr>
+        </p:nvSpPr>
+        <p:spPr/>
+      </p:sp>
+      <p:sp>
+        <p:nvSpPr>
+          <p:cNvPr id="3" name="Notizenplatzhalter 2"/>
+          <p:cNvSpPr>
+            <a:spLocks noGrp="1"/>
+          </p:cNvSpPr>
+          <p:nvPr>
+            <p:ph type="body" idx="1"/>
+          </p:nvPr>
+        </p:nvSpPr>
+        <p:spPr/>
+        <p:txBody>
+          <a:bodyPr/>
+          <a:lstStyle/>
+          <a:p>
+            <a:pPr marL="171450" indent="-171450">
+              <a:buFont typeface="Arial" pitchFamily="34" charset="0"/>
+              <a:buChar char="•"/>
+            </a:pPr>
+            <a:r>
+              <a:rPr lang="de-CH" dirty="0" err="1" smtClean="0"/>
+              <a:t>Steganographie</a:t>
+            </a:r>
+            <a:r>
+              <a:rPr lang="de-CH" dirty="0" smtClean="0"/>
+              <a:t> – «verdeckt schreiben»</a:t>
+            </a:r>
+          </a:p>
+          <a:p>
+            <a:pPr marL="628650" lvl="1" indent="-171450">
+              <a:buFont typeface="Arial" pitchFamily="34" charset="0"/>
+              <a:buChar char="•"/>
+            </a:pPr>
+            <a:r>
+              <a:rPr lang="de-CH" sz="1200" kern="1200" dirty="0" smtClean="0">
+                <a:solidFill>
+                  <a:schemeClr val="tx1"/>
+                </a:solidFill>
+                <a:effectLst/>
+                <a:latin typeface="+mn-lt"/>
+                <a:ea typeface="+mn-ea"/>
+                <a:cs typeface="+mn-cs"/>
+              </a:rPr>
+              <a:t>Man spricht von </a:t>
+            </a:r>
+            <a:r>
+              <a:rPr lang="de-CH" sz="1200" kern="1200" dirty="0" err="1" smtClean="0">
+                <a:solidFill>
+                  <a:schemeClr val="tx1"/>
+                </a:solidFill>
+                <a:effectLst/>
+                <a:latin typeface="+mn-lt"/>
+                <a:ea typeface="+mn-ea"/>
+                <a:cs typeface="+mn-cs"/>
+              </a:rPr>
+              <a:t>Steganographie</a:t>
+            </a:r>
+            <a:r>
+              <a:rPr lang="de-CH" sz="1200" kern="1200" dirty="0" smtClean="0">
+                <a:solidFill>
+                  <a:schemeClr val="tx1"/>
+                </a:solidFill>
+                <a:effectLst/>
+                <a:latin typeface="+mn-lt"/>
+                <a:ea typeface="+mn-ea"/>
+                <a:cs typeface="+mn-cs"/>
+              </a:rPr>
+              <a:t>, wenn eine Information in anderen Daten versteckt wird. Das Wort kommt aus der griechischen Sprache und heisst „verdeckt schreiben“. Bei der </a:t>
+            </a:r>
+            <a:r>
+              <a:rPr lang="de-CH" sz="1200" kern="1200" dirty="0" err="1" smtClean="0">
+                <a:solidFill>
+                  <a:schemeClr val="tx1"/>
+                </a:solidFill>
+                <a:effectLst/>
+                <a:latin typeface="+mn-lt"/>
+                <a:ea typeface="+mn-ea"/>
+                <a:cs typeface="+mn-cs"/>
+              </a:rPr>
+              <a:t>Steganographie</a:t>
+            </a:r>
+            <a:r>
+              <a:rPr lang="de-CH" sz="1200" kern="1200" dirty="0" smtClean="0">
+                <a:solidFill>
+                  <a:schemeClr val="tx1"/>
+                </a:solidFill>
+                <a:effectLst/>
+                <a:latin typeface="+mn-lt"/>
+                <a:ea typeface="+mn-ea"/>
+                <a:cs typeface="+mn-cs"/>
+              </a:rPr>
+              <a:t> versucht man also, die Existenz einer Nachricht zu verbergen.</a:t>
+            </a:r>
+            <a:endParaRPr lang="de-CH" dirty="0" smtClean="0"/>
+          </a:p>
+          <a:p>
+            <a:pPr marL="171450" indent="-171450">
+              <a:buFont typeface="Arial" pitchFamily="34" charset="0"/>
+              <a:buChar char="•"/>
+            </a:pPr>
+            <a:r>
+              <a:rPr lang="de-CH" dirty="0" smtClean="0"/>
+              <a:t>Historischer Hintergrund</a:t>
+            </a:r>
+          </a:p>
+          <a:p>
+            <a:pPr marL="628650" lvl="1" indent="-171450">
+              <a:buFont typeface="Arial" pitchFamily="34" charset="0"/>
+              <a:buChar char="•"/>
+            </a:pPr>
+            <a:r>
+              <a:rPr lang="de-CH" sz="1200" kern="1200" dirty="0" smtClean="0">
+                <a:solidFill>
+                  <a:schemeClr val="tx1"/>
+                </a:solidFill>
+                <a:effectLst/>
+                <a:latin typeface="+mn-lt"/>
+                <a:ea typeface="+mn-ea"/>
+                <a:cs typeface="+mn-cs"/>
+              </a:rPr>
+              <a:t>Historisch ist diese Methode schon lange bekannt und wurde schon abseits der digitalen Welt erfolgreich eingesetzt. Man kann nachlesen, dass zum Beispiel Nachrichten auf die Kopfhaut von Sklaven tätowiert wurden und der Empfänger diese dann geschoren hat um die Nachricht zu lesen. Aber auch uns allen bekannte Hilfsmittel wie „Geheimtinte“ fallen unter </a:t>
+            </a:r>
+            <a:r>
+              <a:rPr lang="de-CH" sz="1200" kern="1200" dirty="0" err="1" smtClean="0">
+                <a:solidFill>
+                  <a:schemeClr val="tx1"/>
+                </a:solidFill>
+                <a:effectLst/>
+                <a:latin typeface="+mn-lt"/>
+                <a:ea typeface="+mn-ea"/>
+                <a:cs typeface="+mn-cs"/>
+              </a:rPr>
+              <a:t>Steganographie</a:t>
+            </a:r>
+            <a:r>
+              <a:rPr lang="de-CH" sz="1200" kern="1200" dirty="0" smtClean="0">
+                <a:solidFill>
+                  <a:schemeClr val="tx1"/>
+                </a:solidFill>
+                <a:effectLst/>
+                <a:latin typeface="+mn-lt"/>
+                <a:ea typeface="+mn-ea"/>
+                <a:cs typeface="+mn-cs"/>
+              </a:rPr>
+              <a:t>.</a:t>
+            </a:r>
+            <a:endParaRPr lang="de-CH" dirty="0" smtClean="0"/>
+          </a:p>
+          <a:p>
+            <a:pPr marL="171450" indent="-171450">
+              <a:buFont typeface="Arial" pitchFamily="34" charset="0"/>
+              <a:buChar char="•"/>
+            </a:pPr>
+            <a:r>
+              <a:rPr lang="de-CH" dirty="0" smtClean="0"/>
+              <a:t>Kryptographie &lt;&gt; </a:t>
+            </a:r>
+            <a:r>
+              <a:rPr lang="de-CH" dirty="0" err="1" smtClean="0"/>
+              <a:t>Steganographie</a:t>
+            </a:r>
+            <a:endParaRPr lang="de-CH" dirty="0" smtClean="0"/>
+          </a:p>
+          <a:p>
+            <a:pPr marL="628650" lvl="1" indent="-171450">
+              <a:buFont typeface="Arial" pitchFamily="34" charset="0"/>
+              <a:buChar char="•"/>
+            </a:pPr>
+            <a:r>
+              <a:rPr lang="de-CH" sz="1200" kern="1200" dirty="0" smtClean="0">
+                <a:solidFill>
+                  <a:schemeClr val="tx1"/>
+                </a:solidFill>
+                <a:effectLst/>
+                <a:latin typeface="+mn-lt"/>
+                <a:ea typeface="+mn-ea"/>
+                <a:cs typeface="+mn-cs"/>
+              </a:rPr>
+              <a:t>Prinzip von </a:t>
+            </a:r>
+            <a:r>
+              <a:rPr lang="de-CH" sz="1200" kern="1200" dirty="0" err="1" smtClean="0">
+                <a:solidFill>
+                  <a:schemeClr val="tx1"/>
+                </a:solidFill>
+                <a:effectLst/>
+                <a:latin typeface="+mn-lt"/>
+                <a:ea typeface="+mn-ea"/>
+                <a:cs typeface="+mn-cs"/>
+              </a:rPr>
+              <a:t>Kerckhoff</a:t>
+            </a:r>
+            <a:r>
+              <a:rPr lang="de-CH" sz="1200" kern="1200" dirty="0" smtClean="0">
+                <a:solidFill>
+                  <a:schemeClr val="tx1"/>
+                </a:solidFill>
+                <a:effectLst/>
+                <a:latin typeface="+mn-lt"/>
+                <a:ea typeface="+mn-ea"/>
+                <a:cs typeface="+mn-cs"/>
+              </a:rPr>
+              <a:t>: die Sicherheit eines Systems  darf nicht von der Geheimhaltung des Algorithmus abhängen, sondern einzig und allein von der Geheimhaltung eines Schlüssels.</a:t>
+            </a:r>
+            <a:endParaRPr lang="de-CH" dirty="0" smtClean="0"/>
+          </a:p>
+          <a:p>
+            <a:pPr marL="171450" indent="-171450">
+              <a:buFont typeface="Arial" pitchFamily="34" charset="0"/>
+              <a:buChar char="•"/>
+            </a:pPr>
+            <a:r>
+              <a:rPr lang="de-CH" dirty="0" smtClean="0"/>
+              <a:t>Technische </a:t>
+            </a:r>
+            <a:r>
+              <a:rPr lang="de-CH" dirty="0" err="1" smtClean="0"/>
+              <a:t>Steganographie</a:t>
+            </a:r>
+            <a:endParaRPr lang="de-CH" dirty="0" smtClean="0"/>
+          </a:p>
+          <a:p>
+            <a:pPr marL="628650" lvl="1" indent="-171450">
+              <a:buFont typeface="Arial" pitchFamily="34" charset="0"/>
+              <a:buChar char="•"/>
+            </a:pPr>
+            <a:r>
+              <a:rPr lang="de-CH" sz="1200" kern="1200" dirty="0" smtClean="0">
+                <a:solidFill>
+                  <a:schemeClr val="tx1"/>
+                </a:solidFill>
+                <a:effectLst/>
+                <a:latin typeface="+mn-lt"/>
+                <a:ea typeface="+mn-ea"/>
+                <a:cs typeface="+mn-cs"/>
+              </a:rPr>
+              <a:t>Möglichkeiten dazu bieten vor allem Dateiformate, welche nicht von einem Computer weiterverarbeitet werden sondern von einem Menschen interpretiert werden</a:t>
+            </a:r>
+            <a:br>
+              <a:rPr lang="de-CH" sz="1200" kern="1200" dirty="0" smtClean="0">
+                <a:solidFill>
+                  <a:schemeClr val="tx1"/>
+                </a:solidFill>
+                <a:effectLst/>
+                <a:latin typeface="+mn-lt"/>
+                <a:ea typeface="+mn-ea"/>
+                <a:cs typeface="+mn-cs"/>
+              </a:rPr>
+            </a:br>
+            <a:r>
+              <a:rPr lang="de-CH" sz="1200" kern="1200" dirty="0" smtClean="0">
+                <a:solidFill>
+                  <a:schemeClr val="tx1"/>
+                </a:solidFill>
+                <a:effectLst/>
+                <a:latin typeface="+mn-lt"/>
+                <a:ea typeface="+mn-ea"/>
+                <a:cs typeface="+mn-cs"/>
+              </a:rPr>
+              <a:t>Dies sind zum Beispiel Bildformate, Audio- und Videodateien. Ein Mensch kann bei solchen Dateien geringe Abweichungen nicht wahrnehmen und schöpft deshalb auch keinen Verdacht, dass da noch mehr sein könnte.</a:t>
+            </a:r>
+            <a:endParaRPr lang="de-CH" dirty="0" smtClean="0"/>
+          </a:p>
+          <a:p>
+            <a:endParaRPr lang="de-CH" dirty="0"/>
+          </a:p>
+        </p:txBody>
+      </p:sp>
+      <p:sp>
+        <p:nvSpPr>
+          <p:cNvPr id="4" name="Foliennummernplatzhalter 3"/>
+          <p:cNvSpPr>
+            <a:spLocks noGrp="1"/>
+          </p:cNvSpPr>
+          <p:nvPr>
+            <p:ph type="sldNum" sz="quarter" idx="10"/>
+          </p:nvPr>
+        </p:nvSpPr>
+        <p:spPr/>
+        <p:txBody>
+          <a:bodyPr/>
+          <a:lstStyle/>
+          <a:p>
+            <a:fld id="{ED7E74AB-89F2-4CA8-B1E2-4EFAA6854E58}" type="slidenum">
+              <a:rPr lang="de-CH" smtClean="0"/>
+              <a:t>3</a:t>
+            </a:fld>
+            <a:endParaRPr lang="de-CH"/>
+          </a:p>
+        </p:txBody>
+      </p:sp>
+    </p:spTree>
+    <p:extLst>
+      <p:ext uri="{BB962C8B-B14F-4D97-AF65-F5344CB8AC3E}">
+        <p14:creationId xmlns:p14="http://schemas.microsoft.com/office/powerpoint/2010/main" val="1831891178"/>
+      </p:ext>
+    </p:extLst>
+  </p:cSld>
+  <p:clrMapOvr>
+    <a:masterClrMapping/>
+  </p:clrMapOvr>
+</p:notes>
+</file>
+
+<file path=ppt/notesSlides/notesSlide2.xml><?xml version="1.0" encoding="utf-8"?>
+<p:notes xmlns:a="http://schemas.openxmlformats.org/drawingml/2006/main" xmlns:r="http://schemas.openxmlformats.org/officeDocument/2006/relationships" xmlns:p="http://schemas.openxmlformats.org/presentationml/2006/main">
+  <p:cSld>
+    <p:spTree>
+      <p:nvGrpSpPr>
+        <p:cNvPr id="1" name=""/>
+        <p:cNvGrpSpPr/>
+        <p:nvPr/>
+      </p:nvGrpSpPr>
+      <p:grpSpPr>
+        <a:xfrm>
+          <a:off x="0" y="0"/>
+          <a:ext cx="0" cy="0"/>
+          <a:chOff x="0" y="0"/>
+          <a:chExt cx="0" cy="0"/>
+        </a:xfrm>
+      </p:grpSpPr>
+      <p:sp>
+        <p:nvSpPr>
+          <p:cNvPr id="2" name="Folienbildplatzhalter 1"/>
+          <p:cNvSpPr>
+            <a:spLocks noGrp="1" noRot="1" noChangeAspect="1"/>
+          </p:cNvSpPr>
+          <p:nvPr>
+            <p:ph type="sldImg"/>
+          </p:nvPr>
+        </p:nvSpPr>
+        <p:spPr/>
+      </p:sp>
+      <p:sp>
+        <p:nvSpPr>
+          <p:cNvPr id="3" name="Notizenplatzhalter 2"/>
+          <p:cNvSpPr>
+            <a:spLocks noGrp="1"/>
+          </p:cNvSpPr>
+          <p:nvPr>
+            <p:ph type="body" idx="1"/>
+          </p:nvPr>
+        </p:nvSpPr>
+        <p:spPr/>
+        <p:txBody>
+          <a:bodyPr/>
+          <a:lstStyle/>
+          <a:p>
+            <a:endParaRPr lang="de-CH" dirty="0"/>
+          </a:p>
+        </p:txBody>
+      </p:sp>
+      <p:sp>
+        <p:nvSpPr>
+          <p:cNvPr id="4" name="Foliennummernplatzhalter 3"/>
+          <p:cNvSpPr>
+            <a:spLocks noGrp="1"/>
+          </p:cNvSpPr>
+          <p:nvPr>
+            <p:ph type="sldNum" sz="quarter" idx="10"/>
+          </p:nvPr>
+        </p:nvSpPr>
+        <p:spPr/>
+        <p:txBody>
+          <a:bodyPr/>
+          <a:lstStyle/>
+          <a:p>
+            <a:fld id="{ED7E74AB-89F2-4CA8-B1E2-4EFAA6854E58}" type="slidenum">
+              <a:rPr lang="de-CH" smtClean="0"/>
+              <a:t>5</a:t>
+            </a:fld>
+            <a:endParaRPr lang="de-CH"/>
+          </a:p>
+        </p:txBody>
+      </p:sp>
+    </p:spTree>
+    <p:extLst>
+      <p:ext uri="{BB962C8B-B14F-4D97-AF65-F5344CB8AC3E}">
+        <p14:creationId xmlns:p14="http://schemas.microsoft.com/office/powerpoint/2010/main" val="338859414"/>
+      </p:ext>
+    </p:extLst>
+  </p:cSld>
+  <p:clrMapOvr>
+    <a:masterClrMapping/>
+  </p:clrMapOvr>
+</p:notes>
+</file>
+
 <file path=ppt/slideLayouts/slideLayout1.xml><?xml version="1.0" encoding="utf-8"?>
 <p:sldLayout xmlns:a="http://schemas.openxmlformats.org/drawingml/2006/main" xmlns:r="http://schemas.openxmlformats.org/officeDocument/2006/relationships" xmlns:p="http://schemas.openxmlformats.org/presentationml/2006/main" type="title" preserve="1">
   <p:cSld name="Titelfolie">
@@ -289,7 +1064,7 @@
           <a:p>
             <a:fld id="{1BA50D42-C9CD-4801-B293-61D1F53EC57E}" type="datetimeFigureOut">
               <a:rPr lang="de-DE" smtClean="0"/>
-              <a:t>14.06.2012</a:t>
+              <a:t>15.06.2012</a:t>
             </a:fld>
             <a:endParaRPr lang="de-DE"/>
           </a:p>
@@ -454,7 +1229,7 @@
           <a:p>
             <a:fld id="{1BA50D42-C9CD-4801-B293-61D1F53EC57E}" type="datetimeFigureOut">
               <a:rPr lang="de-DE" smtClean="0"/>
-              <a:t>14.06.2012</a:t>
+              <a:t>15.06.2012</a:t>
             </a:fld>
             <a:endParaRPr lang="de-DE"/>
           </a:p>
@@ -629,7 +1404,7 @@
           <a:p>
             <a:fld id="{1BA50D42-C9CD-4801-B293-61D1F53EC57E}" type="datetimeFigureOut">
               <a:rPr lang="de-DE" smtClean="0"/>
-              <a:t>14.06.2012</a:t>
+              <a:t>15.06.2012</a:t>
             </a:fld>
             <a:endParaRPr lang="de-DE"/>
           </a:p>
@@ -794,7 +1569,7 @@
           <a:p>
             <a:fld id="{1BA50D42-C9CD-4801-B293-61D1F53EC57E}" type="datetimeFigureOut">
               <a:rPr lang="de-DE" smtClean="0"/>
-              <a:t>14.06.2012</a:t>
+              <a:t>15.06.2012</a:t>
             </a:fld>
             <a:endParaRPr lang="de-DE"/>
           </a:p>
@@ -1035,7 +1810,7 @@
           <a:p>
             <a:fld id="{1BA50D42-C9CD-4801-B293-61D1F53EC57E}" type="datetimeFigureOut">
               <a:rPr lang="de-DE" smtClean="0"/>
-              <a:t>14.06.2012</a:t>
+              <a:t>15.06.2012</a:t>
             </a:fld>
             <a:endParaRPr lang="de-DE"/>
           </a:p>
@@ -1318,7 +2093,7 @@
           <a:p>
             <a:fld id="{1BA50D42-C9CD-4801-B293-61D1F53EC57E}" type="datetimeFigureOut">
               <a:rPr lang="de-DE" smtClean="0"/>
-              <a:t>14.06.2012</a:t>
+              <a:t>15.06.2012</a:t>
             </a:fld>
             <a:endParaRPr lang="de-DE"/>
           </a:p>
@@ -1735,7 +2510,7 @@
           <a:p>
             <a:fld id="{1BA50D42-C9CD-4801-B293-61D1F53EC57E}" type="datetimeFigureOut">
               <a:rPr lang="de-DE" smtClean="0"/>
-              <a:t>14.06.2012</a:t>
+              <a:t>15.06.2012</a:t>
             </a:fld>
             <a:endParaRPr lang="de-DE"/>
           </a:p>
@@ -1848,7 +2623,7 @@
           <a:p>
             <a:fld id="{1BA50D42-C9CD-4801-B293-61D1F53EC57E}" type="datetimeFigureOut">
               <a:rPr lang="de-DE" smtClean="0"/>
-              <a:t>14.06.2012</a:t>
+              <a:t>15.06.2012</a:t>
             </a:fld>
             <a:endParaRPr lang="de-DE"/>
           </a:p>
@@ -1938,7 +2713,7 @@
           <a:p>
             <a:fld id="{1BA50D42-C9CD-4801-B293-61D1F53EC57E}" type="datetimeFigureOut">
               <a:rPr lang="de-DE" smtClean="0"/>
-              <a:t>14.06.2012</a:t>
+              <a:t>15.06.2012</a:t>
             </a:fld>
             <a:endParaRPr lang="de-DE"/>
           </a:p>
@@ -2210,7 +2985,7 @@
           <a:p>
             <a:fld id="{1BA50D42-C9CD-4801-B293-61D1F53EC57E}" type="datetimeFigureOut">
               <a:rPr lang="de-DE" smtClean="0"/>
-              <a:t>14.06.2012</a:t>
+              <a:t>15.06.2012</a:t>
             </a:fld>
             <a:endParaRPr lang="de-DE"/>
           </a:p>
@@ -2458,7 +3233,7 @@
           <a:p>
             <a:fld id="{1BA50D42-C9CD-4801-B293-61D1F53EC57E}" type="datetimeFigureOut">
               <a:rPr lang="de-DE" smtClean="0"/>
-              <a:t>14.06.2012</a:t>
+              <a:t>15.06.2012</a:t>
             </a:fld>
             <a:endParaRPr lang="de-DE"/>
           </a:p>
@@ -2666,7 +3441,7 @@
           <a:p>
             <a:fld id="{1BA50D42-C9CD-4801-B293-61D1F53EC57E}" type="datetimeFigureOut">
               <a:rPr lang="de-DE" smtClean="0"/>
-              <a:t>14.06.2012</a:t>
+              <a:t>15.06.2012</a:t>
             </a:fld>
             <a:endParaRPr lang="de-DE"/>
           </a:p>
@@ -3022,6 +3797,20 @@
 <file path=ppt/slides/slide1.xml><?xml version="1.0" encoding="utf-8"?>
 <p:sld xmlns:a="http://schemas.openxmlformats.org/drawingml/2006/main" xmlns:r="http://schemas.openxmlformats.org/officeDocument/2006/relationships" xmlns:p="http://schemas.openxmlformats.org/presentationml/2006/main">
   <p:cSld>
+    <p:bg>
+      <p:bgPr>
+        <a:blipFill dpi="0" rotWithShape="1">
+          <a:blip r:embed="rId2">
+            <a:lum/>
+          </a:blip>
+          <a:srcRect/>
+          <a:stretch>
+            <a:fillRect t="-1000" b="-1000"/>
+          </a:stretch>
+        </a:blipFill>
+        <a:effectLst/>
+      </p:bgPr>
+    </p:bg>
     <p:spTree>
       <p:nvGrpSpPr>
         <p:cNvPr id="1" name=""/>
@@ -3046,16 +3835,34 @@
             <p:ph type="ctrTitle"/>
           </p:nvPr>
         </p:nvSpPr>
-        <p:spPr/>
-        <p:txBody>
-          <a:bodyPr/>
-          <a:lstStyle/>
-          <a:p>
-            <a:r>
-              <a:rPr lang="de-CH" dirty="0" err="1" smtClean="0"/>
+        <p:spPr>
+          <a:xfrm>
+            <a:off x="2195736" y="1556792"/>
+            <a:ext cx="4824536" cy="1008112"/>
+          </a:xfrm>
+          <a:solidFill>
+            <a:schemeClr val="bg1">
+              <a:alpha val="80000"/>
+            </a:schemeClr>
+          </a:solidFill>
+        </p:spPr>
+        <p:txBody>
+          <a:bodyPr/>
+          <a:lstStyle/>
+          <a:p>
+            <a:r>
+              <a:rPr lang="de-CH" dirty="0" err="1" smtClean="0">
+                <a:solidFill>
+                  <a:srgbClr val="FF0000"/>
+                </a:solidFill>
+              </a:rPr>
               <a:t>Steganographie</a:t>
             </a:r>
-            <a:endParaRPr lang="de-CH" dirty="0"/>
+            <a:endParaRPr lang="de-CH" dirty="0">
+              <a:solidFill>
+                <a:srgbClr val="FF0000"/>
+              </a:solidFill>
+            </a:endParaRPr>
           </a:p>
         </p:txBody>
       </p:sp>
@@ -3069,28 +3876,60 @@
             <p:ph type="subTitle" idx="1"/>
           </p:nvPr>
         </p:nvSpPr>
-        <p:spPr/>
-        <p:txBody>
-          <a:bodyPr/>
-          <a:lstStyle/>
-          <a:p>
-            <a:r>
-              <a:rPr lang="de-CH" dirty="0" smtClean="0"/>
+        <p:spPr>
+          <a:xfrm>
+            <a:off x="2955776" y="5085184"/>
+            <a:ext cx="3200400" cy="838944"/>
+          </a:xfrm>
+          <a:solidFill>
+            <a:schemeClr val="bg1">
+              <a:alpha val="80000"/>
+            </a:schemeClr>
+          </a:solidFill>
+        </p:spPr>
+        <p:txBody>
+          <a:bodyPr>
+            <a:normAutofit/>
+          </a:bodyPr>
+          <a:lstStyle/>
+          <a:p>
+            <a:r>
+              <a:rPr lang="de-CH" sz="2400" dirty="0" smtClean="0">
+                <a:solidFill>
+                  <a:schemeClr val="tx1"/>
+                </a:solidFill>
+              </a:rPr>
               <a:t>Niki </a:t>
             </a:r>
             <a:r>
-              <a:rPr lang="de-CH" dirty="0" err="1" smtClean="0"/>
+              <a:rPr lang="de-CH" sz="2400" dirty="0" err="1" smtClean="0">
+                <a:solidFill>
+                  <a:schemeClr val="tx1"/>
+                </a:solidFill>
+              </a:rPr>
               <a:t>Hausammann</a:t>
             </a:r>
             <a:r>
-              <a:rPr lang="de-CH" dirty="0" smtClean="0"/>
+              <a:rPr lang="de-CH" sz="2400" dirty="0" smtClean="0">
+                <a:solidFill>
+                  <a:schemeClr val="tx1"/>
+                </a:solidFill>
+              </a:rPr>
               <a:t/>
             </a:r>
             <a:br>
-              <a:rPr lang="de-CH" dirty="0" smtClean="0"/>
+              <a:rPr lang="de-CH" sz="2400" dirty="0" smtClean="0">
+                <a:solidFill>
+                  <a:schemeClr val="tx1"/>
+                </a:solidFill>
+              </a:rPr>
             </a:br>
             <a:r>
-              <a:rPr lang="de-CH" dirty="0" smtClean="0"/>
+              <a:rPr lang="de-CH" sz="2400" dirty="0" smtClean="0">
+                <a:solidFill>
+                  <a:schemeClr val="tx1"/>
+                </a:solidFill>
+              </a:rPr>
               <a:t>Renato Estermann</a:t>
             </a:r>
           </a:p>
@@ -3106,6 +3945,13 @@
   <p:clrMapOvr>
     <a:masterClrMapping/>
   </p:clrMapOvr>
+  <p:timing>
+    <p:tnLst>
+      <p:par>
+        <p:cTn id="1" dur="indefinite" restart="never" nodeType="tmRoot"/>
+      </p:par>
+    </p:tnLst>
+  </p:timing>
 </p:sld>
 </file>
 
@@ -3166,8 +4012,15 @@
           <a:p>
             <a:r>
               <a:rPr lang="de-CH" dirty="0" smtClean="0"/>
-              <a:t>Theorie</a:t>
-            </a:r>
+              <a:t>Theoretische Grundlagen</a:t>
+            </a:r>
+          </a:p>
+          <a:p>
+            <a:r>
+              <a:rPr lang="de-CH" dirty="0" smtClean="0"/>
+              <a:t>Anforderungen an die Applikation</a:t>
+            </a:r>
+            <a:endParaRPr lang="de-CH" dirty="0" smtClean="0"/>
           </a:p>
           <a:p>
             <a:r>
@@ -3177,7 +4030,7 @@
           </a:p>
           <a:p>
             <a:r>
-              <a:rPr lang="de-CH" smtClean="0"/>
+              <a:rPr lang="de-CH" dirty="0" smtClean="0"/>
               <a:t>Demo</a:t>
             </a:r>
           </a:p>
@@ -3193,6 +4046,541 @@
   <p:clrMapOvr>
     <a:masterClrMapping/>
   </p:clrMapOvr>
+  <p:timing>
+    <p:tnLst>
+      <p:par>
+        <p:cTn id="1" dur="indefinite" restart="never" nodeType="tmRoot"/>
+      </p:par>
+    </p:tnLst>
+  </p:timing>
+</p:sld>
+</file>
+
+<file path=ppt/slides/slide3.xml><?xml version="1.0" encoding="utf-8"?>
+<p:sld xmlns:a="http://schemas.openxmlformats.org/drawingml/2006/main" xmlns:r="http://schemas.openxmlformats.org/officeDocument/2006/relationships" xmlns:p="http://schemas.openxmlformats.org/presentationml/2006/main">
+  <p:cSld>
+    <p:spTree>
+      <p:nvGrpSpPr>
+        <p:cNvPr id="1" name=""/>
+        <p:cNvGrpSpPr/>
+        <p:nvPr/>
+      </p:nvGrpSpPr>
+      <p:grpSpPr>
+        <a:xfrm>
+          <a:off x="0" y="0"/>
+          <a:ext cx="0" cy="0"/>
+          <a:chOff x="0" y="0"/>
+          <a:chExt cx="0" cy="0"/>
+        </a:xfrm>
+      </p:grpSpPr>
+      <p:sp>
+        <p:nvSpPr>
+          <p:cNvPr id="2" name="Titel 1"/>
+          <p:cNvSpPr>
+            <a:spLocks noGrp="1"/>
+          </p:cNvSpPr>
+          <p:nvPr>
+            <p:ph type="title"/>
+          </p:nvPr>
+        </p:nvSpPr>
+        <p:spPr/>
+        <p:txBody>
+          <a:bodyPr/>
+          <a:lstStyle/>
+          <a:p>
+            <a:r>
+              <a:rPr lang="de-CH" dirty="0" smtClean="0"/>
+              <a:t>Theoretische Grundlagen</a:t>
+            </a:r>
+            <a:endParaRPr lang="de-CH" dirty="0"/>
+          </a:p>
+        </p:txBody>
+      </p:sp>
+      <p:sp>
+        <p:nvSpPr>
+          <p:cNvPr id="3" name="Inhaltsplatzhalter 2"/>
+          <p:cNvSpPr>
+            <a:spLocks noGrp="1"/>
+          </p:cNvSpPr>
+          <p:nvPr>
+            <p:ph idx="1"/>
+          </p:nvPr>
+        </p:nvSpPr>
+        <p:spPr/>
+        <p:txBody>
+          <a:bodyPr/>
+          <a:lstStyle/>
+          <a:p>
+            <a:r>
+              <a:rPr lang="de-CH" dirty="0" err="1" smtClean="0"/>
+              <a:t>Steganographie</a:t>
+            </a:r>
+            <a:r>
+              <a:rPr lang="de-CH" dirty="0" smtClean="0"/>
+              <a:t> – «verdeckt schreiben»</a:t>
+            </a:r>
+          </a:p>
+          <a:p>
+            <a:r>
+              <a:rPr lang="de-CH" dirty="0" smtClean="0"/>
+              <a:t>Historischer Hintergrund</a:t>
+            </a:r>
+          </a:p>
+          <a:p>
+            <a:r>
+              <a:rPr lang="de-CH" dirty="0" smtClean="0"/>
+              <a:t>Kryptographie &lt;&gt; </a:t>
+            </a:r>
+            <a:r>
+              <a:rPr lang="de-CH" dirty="0" err="1" smtClean="0"/>
+              <a:t>Steganographie</a:t>
+            </a:r>
+            <a:endParaRPr lang="de-CH" dirty="0" smtClean="0"/>
+          </a:p>
+          <a:p>
+            <a:r>
+              <a:rPr lang="de-CH" dirty="0" smtClean="0"/>
+              <a:t>Technische </a:t>
+            </a:r>
+            <a:r>
+              <a:rPr lang="de-CH" dirty="0" err="1" smtClean="0"/>
+              <a:t>Steganographie</a:t>
+            </a:r>
+            <a:endParaRPr lang="de-CH" dirty="0" smtClean="0"/>
+          </a:p>
+          <a:p>
+            <a:pPr marL="0" indent="0">
+              <a:buNone/>
+            </a:pPr>
+            <a:endParaRPr lang="de-CH" dirty="0" smtClean="0"/>
+          </a:p>
+          <a:p>
+            <a:endParaRPr lang="de-CH" dirty="0" smtClean="0"/>
+          </a:p>
+          <a:p>
+            <a:endParaRPr lang="de-CH" dirty="0"/>
+          </a:p>
+        </p:txBody>
+      </p:sp>
+    </p:spTree>
+    <p:extLst>
+      <p:ext uri="{BB962C8B-B14F-4D97-AF65-F5344CB8AC3E}">
+        <p14:creationId xmlns:p14="http://schemas.microsoft.com/office/powerpoint/2010/main" val="778677827"/>
+      </p:ext>
+    </p:extLst>
+  </p:cSld>
+  <p:clrMapOvr>
+    <a:masterClrMapping/>
+  </p:clrMapOvr>
+  <p:timing>
+    <p:tnLst>
+      <p:par>
+        <p:cTn id="1" dur="indefinite" restart="never" nodeType="tmRoot"/>
+      </p:par>
+    </p:tnLst>
+  </p:timing>
+</p:sld>
+</file>
+
+<file path=ppt/slides/slide4.xml><?xml version="1.0" encoding="utf-8"?>
+<p:sld xmlns:a="http://schemas.openxmlformats.org/drawingml/2006/main" xmlns:r="http://schemas.openxmlformats.org/officeDocument/2006/relationships" xmlns:p="http://schemas.openxmlformats.org/presentationml/2006/main">
+  <p:cSld>
+    <p:spTree>
+      <p:nvGrpSpPr>
+        <p:cNvPr id="1" name=""/>
+        <p:cNvGrpSpPr/>
+        <p:nvPr/>
+      </p:nvGrpSpPr>
+      <p:grpSpPr>
+        <a:xfrm>
+          <a:off x="0" y="0"/>
+          <a:ext cx="0" cy="0"/>
+          <a:chOff x="0" y="0"/>
+          <a:chExt cx="0" cy="0"/>
+        </a:xfrm>
+      </p:grpSpPr>
+      <p:sp>
+        <p:nvSpPr>
+          <p:cNvPr id="2" name="Titel 1"/>
+          <p:cNvSpPr>
+            <a:spLocks noGrp="1"/>
+          </p:cNvSpPr>
+          <p:nvPr>
+            <p:ph type="title"/>
+          </p:nvPr>
+        </p:nvSpPr>
+        <p:spPr/>
+        <p:txBody>
+          <a:bodyPr/>
+          <a:lstStyle/>
+          <a:p>
+            <a:r>
+              <a:rPr lang="de-CH" dirty="0" smtClean="0"/>
+              <a:t>Anforderungen an die Applikation</a:t>
+            </a:r>
+            <a:endParaRPr lang="de-CH" dirty="0"/>
+          </a:p>
+        </p:txBody>
+      </p:sp>
+      <p:sp>
+        <p:nvSpPr>
+          <p:cNvPr id="3" name="Inhaltsplatzhalter 2"/>
+          <p:cNvSpPr>
+            <a:spLocks noGrp="1"/>
+          </p:cNvSpPr>
+          <p:nvPr>
+            <p:ph idx="1"/>
+          </p:nvPr>
+        </p:nvSpPr>
+        <p:spPr/>
+        <p:txBody>
+          <a:bodyPr/>
+          <a:lstStyle/>
+          <a:p>
+            <a:r>
+              <a:rPr lang="de-CH" dirty="0" smtClean="0"/>
+              <a:t>Verstecken von Informationen in:</a:t>
+            </a:r>
+          </a:p>
+          <a:p>
+            <a:pPr lvl="1"/>
+            <a:r>
+              <a:rPr lang="de-CH" dirty="0" smtClean="0"/>
+              <a:t>Bilddateien</a:t>
+            </a:r>
+          </a:p>
+          <a:p>
+            <a:pPr lvl="1"/>
+            <a:r>
+              <a:rPr lang="de-CH" dirty="0" smtClean="0"/>
+              <a:t>Audiodateien </a:t>
+            </a:r>
+          </a:p>
+          <a:p>
+            <a:r>
+              <a:rPr lang="de-CH" dirty="0" smtClean="0"/>
+              <a:t>Beliebige Dateitypen sollen versteckt werden</a:t>
+            </a:r>
+          </a:p>
+          <a:p>
+            <a:r>
+              <a:rPr lang="de-CH" dirty="0" smtClean="0"/>
+              <a:t>Abgrenzung: nur verlustfreie Dateiformate (BMP, PNG, WAV)</a:t>
+            </a:r>
+          </a:p>
+        </p:txBody>
+      </p:sp>
+    </p:spTree>
+    <p:extLst>
+      <p:ext uri="{BB962C8B-B14F-4D97-AF65-F5344CB8AC3E}">
+        <p14:creationId xmlns:p14="http://schemas.microsoft.com/office/powerpoint/2010/main" val="3469474002"/>
+      </p:ext>
+    </p:extLst>
+  </p:cSld>
+  <p:clrMapOvr>
+    <a:masterClrMapping/>
+  </p:clrMapOvr>
+  <p:timing>
+    <p:tnLst>
+      <p:par>
+        <p:cTn id="1" dur="indefinite" restart="never" nodeType="tmRoot"/>
+      </p:par>
+    </p:tnLst>
+  </p:timing>
+</p:sld>
+</file>
+
+<file path=ppt/slides/slide5.xml><?xml version="1.0" encoding="utf-8"?>
+<p:sld xmlns:a="http://schemas.openxmlformats.org/drawingml/2006/main" xmlns:r="http://schemas.openxmlformats.org/officeDocument/2006/relationships" xmlns:p="http://schemas.openxmlformats.org/presentationml/2006/main">
+  <p:cSld>
+    <p:spTree>
+      <p:nvGrpSpPr>
+        <p:cNvPr id="1" name=""/>
+        <p:cNvGrpSpPr/>
+        <p:nvPr/>
+      </p:nvGrpSpPr>
+      <p:grpSpPr>
+        <a:xfrm>
+          <a:off x="0" y="0"/>
+          <a:ext cx="0" cy="0"/>
+          <a:chOff x="0" y="0"/>
+          <a:chExt cx="0" cy="0"/>
+        </a:xfrm>
+      </p:grpSpPr>
+      <p:sp>
+        <p:nvSpPr>
+          <p:cNvPr id="2" name="Titel 1"/>
+          <p:cNvSpPr>
+            <a:spLocks noGrp="1"/>
+          </p:cNvSpPr>
+          <p:nvPr>
+            <p:ph type="title"/>
+          </p:nvPr>
+        </p:nvSpPr>
+        <p:spPr/>
+        <p:txBody>
+          <a:bodyPr/>
+          <a:lstStyle/>
+          <a:p>
+            <a:r>
+              <a:rPr lang="de-CH" dirty="0" smtClean="0"/>
+              <a:t>Praktische Umsetzung (1/2)</a:t>
+            </a:r>
+            <a:endParaRPr lang="de-CH" dirty="0"/>
+          </a:p>
+        </p:txBody>
+      </p:sp>
+      <p:sp>
+        <p:nvSpPr>
+          <p:cNvPr id="3" name="Inhaltsplatzhalter 2"/>
+          <p:cNvSpPr>
+            <a:spLocks noGrp="1"/>
+          </p:cNvSpPr>
+          <p:nvPr>
+            <p:ph idx="1"/>
+          </p:nvPr>
+        </p:nvSpPr>
+        <p:spPr/>
+        <p:txBody>
+          <a:bodyPr/>
+          <a:lstStyle/>
+          <a:p>
+            <a:r>
+              <a:rPr lang="de-CH" dirty="0" smtClean="0"/>
+              <a:t>«Protokoll»-Struktur im </a:t>
+            </a:r>
+            <a:r>
+              <a:rPr lang="de-CH" dirty="0" err="1" smtClean="0"/>
+              <a:t>Steganogramm</a:t>
+            </a:r>
+            <a:r>
+              <a:rPr lang="de-CH" dirty="0" smtClean="0"/>
+              <a:t> aufbauen</a:t>
+            </a:r>
+          </a:p>
+          <a:p>
+            <a:r>
+              <a:rPr lang="de-CH" dirty="0" smtClean="0"/>
+              <a:t> HEADER BILD</a:t>
+            </a:r>
+          </a:p>
+        </p:txBody>
+      </p:sp>
+    </p:spTree>
+    <p:extLst>
+      <p:ext uri="{BB962C8B-B14F-4D97-AF65-F5344CB8AC3E}">
+        <p14:creationId xmlns:p14="http://schemas.microsoft.com/office/powerpoint/2010/main" val="2295304278"/>
+      </p:ext>
+    </p:extLst>
+  </p:cSld>
+  <p:clrMapOvr>
+    <a:masterClrMapping/>
+  </p:clrMapOvr>
+  <p:timing>
+    <p:tnLst>
+      <p:par>
+        <p:cTn id="1" dur="indefinite" restart="never" nodeType="tmRoot"/>
+      </p:par>
+    </p:tnLst>
+  </p:timing>
+</p:sld>
+</file>
+
+<file path=ppt/slides/slide6.xml><?xml version="1.0" encoding="utf-8"?>
+<p:sld xmlns:a="http://schemas.openxmlformats.org/drawingml/2006/main" xmlns:r="http://schemas.openxmlformats.org/officeDocument/2006/relationships" xmlns:p="http://schemas.openxmlformats.org/presentationml/2006/main">
+  <p:cSld>
+    <p:spTree>
+      <p:nvGrpSpPr>
+        <p:cNvPr id="1" name=""/>
+        <p:cNvGrpSpPr/>
+        <p:nvPr/>
+      </p:nvGrpSpPr>
+      <p:grpSpPr>
+        <a:xfrm>
+          <a:off x="0" y="0"/>
+          <a:ext cx="0" cy="0"/>
+          <a:chOff x="0" y="0"/>
+          <a:chExt cx="0" cy="0"/>
+        </a:xfrm>
+      </p:grpSpPr>
+      <p:sp>
+        <p:nvSpPr>
+          <p:cNvPr id="2" name="Titel 1"/>
+          <p:cNvSpPr>
+            <a:spLocks noGrp="1"/>
+          </p:cNvSpPr>
+          <p:nvPr>
+            <p:ph type="title"/>
+          </p:nvPr>
+        </p:nvSpPr>
+        <p:spPr/>
+        <p:txBody>
+          <a:bodyPr/>
+          <a:lstStyle/>
+          <a:p>
+            <a:r>
+              <a:rPr lang="de-CH" dirty="0" smtClean="0"/>
+              <a:t>Praktische Umsetzung (2/2)</a:t>
+            </a:r>
+            <a:endParaRPr lang="de-CH" dirty="0"/>
+          </a:p>
+        </p:txBody>
+      </p:sp>
+      <p:sp>
+        <p:nvSpPr>
+          <p:cNvPr id="3" name="Inhaltsplatzhalter 2"/>
+          <p:cNvSpPr>
+            <a:spLocks noGrp="1"/>
+          </p:cNvSpPr>
+          <p:nvPr>
+            <p:ph idx="1"/>
+          </p:nvPr>
+        </p:nvSpPr>
+        <p:spPr/>
+        <p:txBody>
+          <a:bodyPr/>
+          <a:lstStyle/>
+          <a:p>
+            <a:r>
+              <a:rPr lang="de-CH" dirty="0" smtClean="0"/>
+              <a:t>Modifizieren des Least </a:t>
+            </a:r>
+            <a:r>
+              <a:rPr lang="de-CH" dirty="0" err="1" smtClean="0"/>
+              <a:t>Significant</a:t>
+            </a:r>
+            <a:r>
+              <a:rPr lang="de-CH" dirty="0" smtClean="0"/>
+              <a:t> Bit (LSB) in der Trägerdatei</a:t>
+            </a:r>
+          </a:p>
+          <a:p>
+            <a:pPr lvl="1"/>
+            <a:r>
+              <a:rPr lang="de-CH" dirty="0" smtClean="0"/>
+              <a:t>In Bilddateien:</a:t>
+            </a:r>
+          </a:p>
+          <a:p>
+            <a:pPr lvl="2"/>
+            <a:r>
+              <a:rPr lang="de-CH" dirty="0" smtClean="0"/>
+              <a:t>3 Bytes für die RGB Werte</a:t>
+            </a:r>
+          </a:p>
+          <a:p>
+            <a:pPr lvl="1"/>
+            <a:r>
+              <a:rPr lang="de-CH" dirty="0" smtClean="0"/>
+              <a:t>In Audiodatei:</a:t>
+            </a:r>
+          </a:p>
+          <a:p>
+            <a:pPr lvl="2"/>
+            <a:r>
+              <a:rPr lang="de-CH" dirty="0" smtClean="0"/>
+              <a:t>Bei WAV-Dateien  ???</a:t>
+            </a:r>
+            <a:endParaRPr lang="de-CH" dirty="0"/>
+          </a:p>
+        </p:txBody>
+      </p:sp>
+    </p:spTree>
+    <p:extLst>
+      <p:ext uri="{BB962C8B-B14F-4D97-AF65-F5344CB8AC3E}">
+        <p14:creationId xmlns:p14="http://schemas.microsoft.com/office/powerpoint/2010/main" val="4141729530"/>
+      </p:ext>
+    </p:extLst>
+  </p:cSld>
+  <p:clrMapOvr>
+    <a:masterClrMapping/>
+  </p:clrMapOvr>
+  <p:timing>
+    <p:tnLst>
+      <p:par>
+        <p:cTn id="1" dur="indefinite" restart="never" nodeType="tmRoot"/>
+      </p:par>
+    </p:tnLst>
+  </p:timing>
+</p:sld>
+</file>
+
+<file path=ppt/slides/slide7.xml><?xml version="1.0" encoding="utf-8"?>
+<p:sld xmlns:a="http://schemas.openxmlformats.org/drawingml/2006/main" xmlns:r="http://schemas.openxmlformats.org/officeDocument/2006/relationships" xmlns:p="http://schemas.openxmlformats.org/presentationml/2006/main">
+  <p:cSld>
+    <p:spTree>
+      <p:nvGrpSpPr>
+        <p:cNvPr id="1" name=""/>
+        <p:cNvGrpSpPr/>
+        <p:nvPr/>
+      </p:nvGrpSpPr>
+      <p:grpSpPr>
+        <a:xfrm>
+          <a:off x="0" y="0"/>
+          <a:ext cx="0" cy="0"/>
+          <a:chOff x="0" y="0"/>
+          <a:chExt cx="0" cy="0"/>
+        </a:xfrm>
+      </p:grpSpPr>
+      <p:sp>
+        <p:nvSpPr>
+          <p:cNvPr id="2" name="Titel 1"/>
+          <p:cNvSpPr>
+            <a:spLocks noGrp="1"/>
+          </p:cNvSpPr>
+          <p:nvPr>
+            <p:ph type="title"/>
+          </p:nvPr>
+        </p:nvSpPr>
+        <p:spPr/>
+        <p:txBody>
+          <a:bodyPr/>
+          <a:lstStyle/>
+          <a:p>
+            <a:r>
+              <a:rPr lang="de-CH" dirty="0" smtClean="0"/>
+              <a:t>Demo</a:t>
+            </a:r>
+            <a:endParaRPr lang="de-CH" dirty="0"/>
+          </a:p>
+        </p:txBody>
+      </p:sp>
+      <p:sp>
+        <p:nvSpPr>
+          <p:cNvPr id="3" name="Inhaltsplatzhalter 2"/>
+          <p:cNvSpPr>
+            <a:spLocks noGrp="1"/>
+          </p:cNvSpPr>
+          <p:nvPr>
+            <p:ph idx="1"/>
+          </p:nvPr>
+        </p:nvSpPr>
+        <p:spPr/>
+        <p:txBody>
+          <a:bodyPr/>
+          <a:lstStyle/>
+          <a:p>
+            <a:endParaRPr lang="de-CH" dirty="0"/>
+          </a:p>
+        </p:txBody>
+      </p:sp>
+    </p:spTree>
+    <p:extLst>
+      <p:ext uri="{BB962C8B-B14F-4D97-AF65-F5344CB8AC3E}">
+        <p14:creationId xmlns:p14="http://schemas.microsoft.com/office/powerpoint/2010/main" val="3033265060"/>
+      </p:ext>
+    </p:extLst>
+  </p:cSld>
+  <p:clrMapOvr>
+    <a:masterClrMapping/>
+  </p:clrMapOvr>
+  <p:timing>
+    <p:tnLst>
+      <p:par>
+        <p:cTn id="1" dur="indefinite" restart="never" nodeType="tmRoot"/>
+      </p:par>
+    </p:tnLst>
+  </p:timing>
 </p:sld>
 </file>
 
@@ -3477,4 +4865,289 @@
   <a:objectDefaults/>
   <a:extraClrSchemeLst/>
 </a:theme>
+</file>
+
+<file path=ppt/theme/theme2.xml><?xml version="1.0" encoding="utf-8"?>
+<a:theme xmlns:a="http://schemas.openxmlformats.org/drawingml/2006/main" name="Larissa">
+  <a:themeElements>
+    <a:clrScheme name="Larissa">
+      <a:dk1>
+        <a:sysClr val="windowText" lastClr="000000"/>
+      </a:dk1>
+      <a:lt1>
+        <a:sysClr val="window" lastClr="FFFFFF"/>
+      </a:lt1>
+      <a:dk2>
+        <a:srgbClr val="1F497D"/>
+      </a:dk2>
+      <a:lt2>
+        <a:srgbClr val="EEECE1"/>
+      </a:lt2>
+      <a:accent1>
+        <a:srgbClr val="4F81BD"/>
+      </a:accent1>
+      <a:accent2>
+        <a:srgbClr val="C0504D"/>
+      </a:accent2>
+      <a:accent3>
+        <a:srgbClr val="9BBB59"/>
+      </a:accent3>
+      <a:accent4>
+        <a:srgbClr val="8064A2"/>
+      </a:accent4>
+      <a:accent5>
+        <a:srgbClr val="4BACC6"/>
+      </a:accent5>
+      <a:accent6>
+        <a:srgbClr val="F79646"/>
+      </a:accent6>
+      <a:hlink>
+        <a:srgbClr val="0000FF"/>
+      </a:hlink>
+      <a:folHlink>
+        <a:srgbClr val="800080"/>
+      </a:folHlink>
+    </a:clrScheme>
+    <a:fontScheme name="Larissa">
+      <a:majorFont>
+        <a:latin typeface="Calibri"/>
+        <a:ea typeface=""/>
+        <a:cs typeface=""/>
+        <a:font script="Jpan" typeface="ＭＳ Ｐゴシック"/>
+        <a:font script="Hang" typeface="맑은 고딕"/>
+        <a:font script="Hans" typeface="宋体"/>
+        <a:font script="Hant" typeface="新細明體"/>
+        <a:font script="Arab" typeface="Times New Roman"/>
+        <a:font script="Hebr" typeface="Times New Roman"/>
+        <a:font script="Thai" typeface="Angsana New"/>
+        <a:font script="Ethi" typeface="Nyala"/>
+        <a:font script="Beng" typeface="Vrinda"/>
+        <a:font script="Gujr" typeface="Shruti"/>
+        <a:font script="Khmr" typeface="MoolBoran"/>
+        <a:font script="Knda" typeface="Tunga"/>
+        <a:font script="Guru" typeface="Raavi"/>
+        <a:font script="Cans" typeface="Euphemia"/>
+        <a:font script="Cher" typeface="Plantagenet Cherokee"/>
+        <a:font script="Yiii" typeface="Microsoft Yi Baiti"/>
+        <a:font script="Tibt" typeface="Microsoft Himalaya"/>
+        <a:font script="Thaa" typeface="MV Boli"/>
+        <a:font script="Deva" typeface="Mangal"/>
+        <a:font script="Telu" typeface="Gautami"/>
+        <a:font script="Taml" typeface="Latha"/>
+        <a:font script="Syrc" typeface="Estrangelo Edessa"/>
+        <a:font script="Orya" typeface="Kalinga"/>
+        <a:font script="Mlym" typeface="Kartika"/>
+        <a:font script="Laoo" typeface="DokChampa"/>
+        <a:font script="Sinh" typeface="Iskoola Pota"/>
+        <a:font script="Mong" typeface="Mongolian Baiti"/>
+        <a:font script="Viet" typeface="Times New Roman"/>
+        <a:font script="Uigh" typeface="Microsoft Uighur"/>
+        <a:font script="Geor" typeface="Sylfaen"/>
+      </a:majorFont>
+      <a:minorFont>
+        <a:latin typeface="Calibri"/>
+        <a:ea typeface=""/>
+        <a:cs typeface=""/>
+        <a:font script="Jpan" typeface="ＭＳ Ｐゴシック"/>
+        <a:font script="Hang" typeface="맑은 고딕"/>
+        <a:font script="Hans" typeface="宋体"/>
+        <a:font script="Hant" typeface="新細明體"/>
+        <a:font script="Arab" typeface="Arial"/>
+        <a:font script="Hebr" typeface="Arial"/>
+        <a:font script="Thai" typeface="Cordia New"/>
+        <a:font script="Ethi" typeface="Nyala"/>
+        <a:font script="Beng" typeface="Vrinda"/>
+        <a:font script="Gujr" typeface="Shruti"/>
+        <a:font script="Khmr" typeface="DaunPenh"/>
+        <a:font script="Knda" typeface="Tunga"/>
+        <a:font script="Guru" typeface="Raavi"/>
+        <a:font script="Cans" typeface="Euphemia"/>
+        <a:font script="Cher" typeface="Plantagenet Cherokee"/>
+        <a:font script="Yiii" typeface="Microsoft Yi Baiti"/>
+        <a:font script="Tibt" typeface="Microsoft Himalaya"/>
+        <a:font script="Thaa" typeface="MV Boli"/>
+        <a:font script="Deva" typeface="Mangal"/>
+        <a:font script="Telu" typeface="Gautami"/>
+        <a:font script="Taml" typeface="Latha"/>
+        <a:font script="Syrc" typeface="Estrangelo Edessa"/>
+        <a:font script="Orya" typeface="Kalinga"/>
+        <a:font script="Mlym" typeface="Kartika"/>
+        <a:font script="Laoo" typeface="DokChampa"/>
+        <a:font script="Sinh" typeface="Iskoola Pota"/>
+        <a:font script="Mong" typeface="Mongolian Baiti"/>
+        <a:font script="Viet" typeface="Arial"/>
+        <a:font script="Uigh" typeface="Microsoft Uighur"/>
+        <a:font script="Geor" typeface="Sylfaen"/>
+      </a:minorFont>
+    </a:fontScheme>
+    <a:fmtScheme name="Larissa">
+      <a:fillStyleLst>
+        <a:solidFill>
+          <a:schemeClr val="phClr"/>
+        </a:solidFill>
+        <a:gradFill rotWithShape="1">
+          <a:gsLst>
+            <a:gs pos="0">
+              <a:schemeClr val="phClr">
+                <a:tint val="50000"/>
+                <a:satMod val="300000"/>
+              </a:schemeClr>
+            </a:gs>
+            <a:gs pos="35000">
+              <a:schemeClr val="phClr">
+                <a:tint val="37000"/>
+                <a:satMod val="300000"/>
+              </a:schemeClr>
+            </a:gs>
+            <a:gs pos="100000">
+              <a:schemeClr val="phClr">
+                <a:tint val="15000"/>
+                <a:satMod val="350000"/>
+              </a:schemeClr>
+            </a:gs>
+          </a:gsLst>
+          <a:lin ang="16200000" scaled="1"/>
+        </a:gradFill>
+        <a:gradFill rotWithShape="1">
+          <a:gsLst>
+            <a:gs pos="0">
+              <a:schemeClr val="phClr">
+                <a:shade val="51000"/>
+                <a:satMod val="130000"/>
+              </a:schemeClr>
+            </a:gs>
+            <a:gs pos="80000">
+              <a:schemeClr val="phClr">
+                <a:shade val="93000"/>
+                <a:satMod val="130000"/>
+              </a:schemeClr>
+            </a:gs>
+            <a:gs pos="100000">
+              <a:schemeClr val="phClr">
+                <a:shade val="94000"/>
+                <a:satMod val="135000"/>
+              </a:schemeClr>
+            </a:gs>
+          </a:gsLst>
+          <a:lin ang="16200000" scaled="0"/>
+        </a:gradFill>
+      </a:fillStyleLst>
+      <a:lnStyleLst>
+        <a:ln w="9525" cap="flat" cmpd="sng" algn="ctr">
+          <a:solidFill>
+            <a:schemeClr val="phClr">
+              <a:shade val="95000"/>
+              <a:satMod val="105000"/>
+            </a:schemeClr>
+          </a:solidFill>
+          <a:prstDash val="solid"/>
+        </a:ln>
+        <a:ln w="25400" cap="flat" cmpd="sng" algn="ctr">
+          <a:solidFill>
+            <a:schemeClr val="phClr"/>
+          </a:solidFill>
+          <a:prstDash val="solid"/>
+        </a:ln>
+        <a:ln w="38100" cap="flat" cmpd="sng" algn="ctr">
+          <a:solidFill>
+            <a:schemeClr val="phClr"/>
+          </a:solidFill>
+          <a:prstDash val="solid"/>
+        </a:ln>
+      </a:lnStyleLst>
+      <a:effectStyleLst>
+        <a:effectStyle>
+          <a:effectLst>
+            <a:outerShdw blurRad="40000" dist="20000" dir="5400000" rotWithShape="0">
+              <a:srgbClr val="000000">
+                <a:alpha val="38000"/>
+              </a:srgbClr>
+            </a:outerShdw>
+          </a:effectLst>
+        </a:effectStyle>
+        <a:effectStyle>
+          <a:effectLst>
+            <a:outerShdw blurRad="40000" dist="23000" dir="5400000" rotWithShape="0">
+              <a:srgbClr val="000000">
+                <a:alpha val="35000"/>
+              </a:srgbClr>
+            </a:outerShdw>
+          </a:effectLst>
+        </a:effectStyle>
+        <a:effectStyle>
+          <a:effectLst>
+            <a:outerShdw blurRad="40000" dist="23000" dir="5400000" rotWithShape="0">
+              <a:srgbClr val="000000">
+                <a:alpha val="35000"/>
+              </a:srgbClr>
+            </a:outerShdw>
+          </a:effectLst>
+          <a:scene3d>
+            <a:camera prst="orthographicFront">
+              <a:rot lat="0" lon="0" rev="0"/>
+            </a:camera>
+            <a:lightRig rig="threePt" dir="t">
+              <a:rot lat="0" lon="0" rev="1200000"/>
+            </a:lightRig>
+          </a:scene3d>
+          <a:sp3d>
+            <a:bevelT w="63500" h="25400"/>
+          </a:sp3d>
+        </a:effectStyle>
+      </a:effectStyleLst>
+      <a:bgFillStyleLst>
+        <a:solidFill>
+          <a:schemeClr val="phClr"/>
+        </a:solidFill>
+        <a:gradFill rotWithShape="1">
+          <a:gsLst>
+            <a:gs pos="0">
+              <a:schemeClr val="phClr">
+                <a:tint val="40000"/>
+                <a:satMod val="350000"/>
+              </a:schemeClr>
+            </a:gs>
+            <a:gs pos="40000">
+              <a:schemeClr val="phClr">
+                <a:tint val="45000"/>
+                <a:shade val="99000"/>
+                <a:satMod val="350000"/>
+              </a:schemeClr>
+            </a:gs>
+            <a:gs pos="100000">
+              <a:schemeClr val="phClr">
+                <a:shade val="20000"/>
+                <a:satMod val="255000"/>
+              </a:schemeClr>
+            </a:gs>
+          </a:gsLst>
+          <a:path path="circle">
+            <a:fillToRect l="50000" t="-80000" r="50000" b="180000"/>
+          </a:path>
+        </a:gradFill>
+        <a:gradFill rotWithShape="1">
+          <a:gsLst>
+            <a:gs pos="0">
+              <a:schemeClr val="phClr">
+                <a:tint val="80000"/>
+                <a:satMod val="300000"/>
+              </a:schemeClr>
+            </a:gs>
+            <a:gs pos="100000">
+              <a:schemeClr val="phClr">
+                <a:shade val="30000"/>
+                <a:satMod val="200000"/>
+              </a:schemeClr>
+            </a:gs>
+          </a:gsLst>
+          <a:path path="circle">
+            <a:fillToRect l="50000" t="50000" r="50000" b="50000"/>
+          </a:path>
+        </a:gradFill>
+      </a:bgFillStyleLst>
+    </a:fmtScheme>
+  </a:themeElements>
+  <a:objectDefaults/>
+  <a:extraClrSchemeLst/>
+</a:theme>
 </file>
--- a/doc/Stegano-Praesentation.pptx
+++ b/doc/Stegano-Praesentation.pptx
@@ -5,7 +5,7 @@
     <p:sldMasterId id="2147483648" r:id="rId1"/>
   </p:sldMasterIdLst>
   <p:notesMasterIdLst>
-    <p:notesMasterId r:id="rId9"/>
+    <p:notesMasterId r:id="rId10"/>
   </p:notesMasterIdLst>
   <p:sldIdLst>
     <p:sldId id="256" r:id="rId2"/>
@@ -14,7 +14,8 @@
     <p:sldId id="260" r:id="rId5"/>
     <p:sldId id="259" r:id="rId6"/>
     <p:sldId id="261" r:id="rId7"/>
-    <p:sldId id="262" r:id="rId8"/>
+    <p:sldId id="263" r:id="rId8"/>
+    <p:sldId id="262" r:id="rId9"/>
   </p:sldIdLst>
   <p:sldSz cx="9144000" cy="6858000" type="screen4x3"/>
   <p:notesSz cx="6858000" cy="9144000"/>
@@ -198,7 +199,7 @@
           <a:p>
             <a:fld id="{25A516CA-FEEA-4891-B841-346B6102FD16}" type="datetimeFigureOut">
               <a:rPr lang="de-CH" smtClean="0"/>
-              <a:t>15.06.2012</a:t>
+              <a:t>16.06.2012</a:t>
             </a:fld>
             <a:endParaRPr lang="de-CH"/>
           </a:p>
@@ -843,6 +844,116 @@
           <a:bodyPr/>
           <a:lstStyle/>
           <a:p>
+            <a:r>
+              <a:rPr lang="de-CH" dirty="0" smtClean="0"/>
+              <a:t>Bild- und Audiodateien haben sich angeboten, da deren</a:t>
+            </a:r>
+            <a:r>
+              <a:rPr lang="de-CH" baseline="0" dirty="0" smtClean="0"/>
+              <a:t> Darstellung über menschliche Organe Aufgenommen werden welche nicht genau sind.</a:t>
+            </a:r>
+          </a:p>
+          <a:p>
+            <a:endParaRPr lang="de-CH" baseline="0" dirty="0" smtClean="0"/>
+          </a:p>
+          <a:p>
+            <a:r>
+              <a:rPr lang="de-CH" baseline="0" dirty="0" smtClean="0"/>
+              <a:t>Es können beliebige (digitale) Informationen versteckt werden.</a:t>
+            </a:r>
+          </a:p>
+          <a:p>
+            <a:endParaRPr lang="de-CH" baseline="0" dirty="0" smtClean="0"/>
+          </a:p>
+          <a:p>
+            <a:r>
+              <a:rPr lang="de-CH" baseline="0" dirty="0" smtClean="0"/>
+              <a:t>Nur bei verlustfreien Dateiformaten können die Daten wieder komplett rekonstruiert werden. Verlustbehaftete Dateitypen eliminieren oft die Informationen, welche Menschen nicht wahrnehmen können. Dort wiederum ist natürlich potenziell Platz um Daten zu verstecken.</a:t>
+            </a:r>
+            <a:endParaRPr lang="de-CH" dirty="0"/>
+          </a:p>
+        </p:txBody>
+      </p:sp>
+      <p:sp>
+        <p:nvSpPr>
+          <p:cNvPr id="4" name="Foliennummernplatzhalter 3"/>
+          <p:cNvSpPr>
+            <a:spLocks noGrp="1"/>
+          </p:cNvSpPr>
+          <p:nvPr>
+            <p:ph type="sldNum" sz="quarter" idx="10"/>
+          </p:nvPr>
+        </p:nvSpPr>
+        <p:spPr/>
+        <p:txBody>
+          <a:bodyPr/>
+          <a:lstStyle/>
+          <a:p>
+            <a:fld id="{ED7E74AB-89F2-4CA8-B1E2-4EFAA6854E58}" type="slidenum">
+              <a:rPr lang="de-CH" smtClean="0"/>
+              <a:t>4</a:t>
+            </a:fld>
+            <a:endParaRPr lang="de-CH"/>
+          </a:p>
+        </p:txBody>
+      </p:sp>
+    </p:spTree>
+    <p:extLst>
+      <p:ext uri="{BB962C8B-B14F-4D97-AF65-F5344CB8AC3E}">
+        <p14:creationId xmlns:p14="http://schemas.microsoft.com/office/powerpoint/2010/main" val="1832297459"/>
+      </p:ext>
+    </p:extLst>
+  </p:cSld>
+  <p:clrMapOvr>
+    <a:masterClrMapping/>
+  </p:clrMapOvr>
+</p:notes>
+</file>
+
+<file path=ppt/notesSlides/notesSlide3.xml><?xml version="1.0" encoding="utf-8"?>
+<p:notes xmlns:a="http://schemas.openxmlformats.org/drawingml/2006/main" xmlns:r="http://schemas.openxmlformats.org/officeDocument/2006/relationships" xmlns:p="http://schemas.openxmlformats.org/presentationml/2006/main">
+  <p:cSld>
+    <p:spTree>
+      <p:nvGrpSpPr>
+        <p:cNvPr id="1" name=""/>
+        <p:cNvGrpSpPr/>
+        <p:nvPr/>
+      </p:nvGrpSpPr>
+      <p:grpSpPr>
+        <a:xfrm>
+          <a:off x="0" y="0"/>
+          <a:ext cx="0" cy="0"/>
+          <a:chOff x="0" y="0"/>
+          <a:chExt cx="0" cy="0"/>
+        </a:xfrm>
+      </p:grpSpPr>
+      <p:sp>
+        <p:nvSpPr>
+          <p:cNvPr id="2" name="Folienbildplatzhalter 1"/>
+          <p:cNvSpPr>
+            <a:spLocks noGrp="1" noRot="1" noChangeAspect="1"/>
+          </p:cNvSpPr>
+          <p:nvPr>
+            <p:ph type="sldImg"/>
+          </p:nvPr>
+        </p:nvSpPr>
+        <p:spPr/>
+      </p:sp>
+      <p:sp>
+        <p:nvSpPr>
+          <p:cNvPr id="3" name="Notizenplatzhalter 2"/>
+          <p:cNvSpPr>
+            <a:spLocks noGrp="1"/>
+          </p:cNvSpPr>
+          <p:nvPr>
+            <p:ph type="body" idx="1"/>
+          </p:nvPr>
+        </p:nvSpPr>
+        <p:spPr/>
+        <p:txBody>
+          <a:bodyPr/>
+          <a:lstStyle/>
+          <a:p>
             <a:endParaRPr lang="de-CH" dirty="0"/>
           </a:p>
         </p:txBody>
@@ -874,6 +985,191 @@
     <p:extLst>
       <p:ext uri="{BB962C8B-B14F-4D97-AF65-F5344CB8AC3E}">
         <p14:creationId xmlns:p14="http://schemas.microsoft.com/office/powerpoint/2010/main" val="338859414"/>
+      </p:ext>
+    </p:extLst>
+  </p:cSld>
+  <p:clrMapOvr>
+    <a:masterClrMapping/>
+  </p:clrMapOvr>
+</p:notes>
+</file>
+
+<file path=ppt/notesSlides/notesSlide4.xml><?xml version="1.0" encoding="utf-8"?>
+<p:notes xmlns:a="http://schemas.openxmlformats.org/drawingml/2006/main" xmlns:r="http://schemas.openxmlformats.org/officeDocument/2006/relationships" xmlns:p="http://schemas.openxmlformats.org/presentationml/2006/main">
+  <p:cSld>
+    <p:spTree>
+      <p:nvGrpSpPr>
+        <p:cNvPr id="1" name=""/>
+        <p:cNvGrpSpPr/>
+        <p:nvPr/>
+      </p:nvGrpSpPr>
+      <p:grpSpPr>
+        <a:xfrm>
+          <a:off x="0" y="0"/>
+          <a:ext cx="0" cy="0"/>
+          <a:chOff x="0" y="0"/>
+          <a:chExt cx="0" cy="0"/>
+        </a:xfrm>
+      </p:grpSpPr>
+      <p:sp>
+        <p:nvSpPr>
+          <p:cNvPr id="2" name="Folienbildplatzhalter 1"/>
+          <p:cNvSpPr>
+            <a:spLocks noGrp="1" noRot="1" noChangeAspect="1"/>
+          </p:cNvSpPr>
+          <p:nvPr>
+            <p:ph type="sldImg"/>
+          </p:nvPr>
+        </p:nvSpPr>
+        <p:spPr/>
+      </p:sp>
+      <p:sp>
+        <p:nvSpPr>
+          <p:cNvPr id="3" name="Notizenplatzhalter 2"/>
+          <p:cNvSpPr>
+            <a:spLocks noGrp="1"/>
+          </p:cNvSpPr>
+          <p:nvPr>
+            <p:ph type="body" idx="1"/>
+          </p:nvPr>
+        </p:nvSpPr>
+        <p:spPr/>
+        <p:txBody>
+          <a:bodyPr/>
+          <a:lstStyle/>
+          <a:p>
+            <a:r>
+              <a:rPr lang="de-CH" dirty="0" smtClean="0"/>
+              <a:t>BMP</a:t>
+            </a:r>
+            <a:r>
+              <a:rPr lang="de-CH" baseline="0" dirty="0" smtClean="0"/>
+              <a:t> ist stark standardisiert, üblich sind 3 Bytes für die Codierung der Farbe (24Bit). Dies bedeutet, dass jeder Farbe 256 Stufen zur Verfügung stehen. Falls das LSB bei jeder Farbe geändert wird entspricht das einer kaum wahrnehmbaren Veränderung von 0.000048 %</a:t>
+            </a:r>
+          </a:p>
+          <a:p>
+            <a:endParaRPr lang="de-CH" baseline="0" dirty="0" smtClean="0"/>
+          </a:p>
+          <a:p>
+            <a:r>
+              <a:rPr lang="de-CH" baseline="0" dirty="0" smtClean="0"/>
+              <a:t>WAV ist auch Standardisiert, lässt aber viel Spielraum (welcher auch genutzt wird). So gibt es verschiedene Formate von Microsoft und von Apple (WAV und AIFF, war nicht anders zu erwarten). Variieren kann die Headerlänge, Datenformat, Kanäle, Samplerate, Framegrösse, Bits pro Sample sowie je nach Unterversion weitere Eigenschaften.</a:t>
+            </a:r>
+            <a:endParaRPr lang="de-CH" dirty="0"/>
+          </a:p>
+        </p:txBody>
+      </p:sp>
+      <p:sp>
+        <p:nvSpPr>
+          <p:cNvPr id="4" name="Foliennummernplatzhalter 3"/>
+          <p:cNvSpPr>
+            <a:spLocks noGrp="1"/>
+          </p:cNvSpPr>
+          <p:nvPr>
+            <p:ph type="sldNum" sz="quarter" idx="10"/>
+          </p:nvPr>
+        </p:nvSpPr>
+        <p:spPr/>
+        <p:txBody>
+          <a:bodyPr/>
+          <a:lstStyle/>
+          <a:p>
+            <a:fld id="{ED7E74AB-89F2-4CA8-B1E2-4EFAA6854E58}" type="slidenum">
+              <a:rPr lang="de-CH" smtClean="0"/>
+              <a:t>6</a:t>
+            </a:fld>
+            <a:endParaRPr lang="de-CH"/>
+          </a:p>
+        </p:txBody>
+      </p:sp>
+    </p:spTree>
+    <p:extLst>
+      <p:ext uri="{BB962C8B-B14F-4D97-AF65-F5344CB8AC3E}">
+        <p14:creationId xmlns:p14="http://schemas.microsoft.com/office/powerpoint/2010/main" val="2207454575"/>
+      </p:ext>
+    </p:extLst>
+  </p:cSld>
+  <p:clrMapOvr>
+    <a:masterClrMapping/>
+  </p:clrMapOvr>
+</p:notes>
+</file>
+
+<file path=ppt/notesSlides/notesSlide5.xml><?xml version="1.0" encoding="utf-8"?>
+<p:notes xmlns:a="http://schemas.openxmlformats.org/drawingml/2006/main" xmlns:r="http://schemas.openxmlformats.org/officeDocument/2006/relationships" xmlns:p="http://schemas.openxmlformats.org/presentationml/2006/main">
+  <p:cSld>
+    <p:spTree>
+      <p:nvGrpSpPr>
+        <p:cNvPr id="1" name=""/>
+        <p:cNvGrpSpPr/>
+        <p:nvPr/>
+      </p:nvGrpSpPr>
+      <p:grpSpPr>
+        <a:xfrm>
+          <a:off x="0" y="0"/>
+          <a:ext cx="0" cy="0"/>
+          <a:chOff x="0" y="0"/>
+          <a:chExt cx="0" cy="0"/>
+        </a:xfrm>
+      </p:grpSpPr>
+      <p:sp>
+        <p:nvSpPr>
+          <p:cNvPr id="2" name="Folienbildplatzhalter 1"/>
+          <p:cNvSpPr>
+            <a:spLocks noGrp="1" noRot="1" noChangeAspect="1"/>
+          </p:cNvSpPr>
+          <p:nvPr>
+            <p:ph type="sldImg"/>
+          </p:nvPr>
+        </p:nvSpPr>
+        <p:spPr/>
+      </p:sp>
+      <p:sp>
+        <p:nvSpPr>
+          <p:cNvPr id="3" name="Notizenplatzhalter 2"/>
+          <p:cNvSpPr>
+            <a:spLocks noGrp="1"/>
+          </p:cNvSpPr>
+          <p:nvPr>
+            <p:ph type="body" idx="1"/>
+          </p:nvPr>
+        </p:nvSpPr>
+        <p:spPr/>
+        <p:txBody>
+          <a:bodyPr/>
+          <a:lstStyle/>
+          <a:p>
+            <a:endParaRPr lang="de-CH"/>
+          </a:p>
+        </p:txBody>
+      </p:sp>
+      <p:sp>
+        <p:nvSpPr>
+          <p:cNvPr id="4" name="Foliennummernplatzhalter 3"/>
+          <p:cNvSpPr>
+            <a:spLocks noGrp="1"/>
+          </p:cNvSpPr>
+          <p:nvPr>
+            <p:ph type="sldNum" sz="quarter" idx="10"/>
+          </p:nvPr>
+        </p:nvSpPr>
+        <p:spPr/>
+        <p:txBody>
+          <a:bodyPr/>
+          <a:lstStyle/>
+          <a:p>
+            <a:fld id="{ED7E74AB-89F2-4CA8-B1E2-4EFAA6854E58}" type="slidenum">
+              <a:rPr lang="de-CH" smtClean="0"/>
+              <a:t>7</a:t>
+            </a:fld>
+            <a:endParaRPr lang="de-CH"/>
+          </a:p>
+        </p:txBody>
+      </p:sp>
+    </p:spTree>
+    <p:extLst>
+      <p:ext uri="{BB962C8B-B14F-4D97-AF65-F5344CB8AC3E}">
+        <p14:creationId xmlns:p14="http://schemas.microsoft.com/office/powerpoint/2010/main" val="186744079"/>
       </p:ext>
     </p:extLst>
   </p:cSld>
@@ -1064,7 +1360,7 @@
           <a:p>
             <a:fld id="{1BA50D42-C9CD-4801-B293-61D1F53EC57E}" type="datetimeFigureOut">
               <a:rPr lang="de-DE" smtClean="0"/>
-              <a:t>15.06.2012</a:t>
+              <a:t>16.06.2012</a:t>
             </a:fld>
             <a:endParaRPr lang="de-DE"/>
           </a:p>
@@ -1229,7 +1525,7 @@
           <a:p>
             <a:fld id="{1BA50D42-C9CD-4801-B293-61D1F53EC57E}" type="datetimeFigureOut">
               <a:rPr lang="de-DE" smtClean="0"/>
-              <a:t>15.06.2012</a:t>
+              <a:t>16.06.2012</a:t>
             </a:fld>
             <a:endParaRPr lang="de-DE"/>
           </a:p>
@@ -1404,7 +1700,7 @@
           <a:p>
             <a:fld id="{1BA50D42-C9CD-4801-B293-61D1F53EC57E}" type="datetimeFigureOut">
               <a:rPr lang="de-DE" smtClean="0"/>
-              <a:t>15.06.2012</a:t>
+              <a:t>16.06.2012</a:t>
             </a:fld>
             <a:endParaRPr lang="de-DE"/>
           </a:p>
@@ -1569,7 +1865,7 @@
           <a:p>
             <a:fld id="{1BA50D42-C9CD-4801-B293-61D1F53EC57E}" type="datetimeFigureOut">
               <a:rPr lang="de-DE" smtClean="0"/>
-              <a:t>15.06.2012</a:t>
+              <a:t>16.06.2012</a:t>
             </a:fld>
             <a:endParaRPr lang="de-DE"/>
           </a:p>
@@ -1810,7 +2106,7 @@
           <a:p>
             <a:fld id="{1BA50D42-C9CD-4801-B293-61D1F53EC57E}" type="datetimeFigureOut">
               <a:rPr lang="de-DE" smtClean="0"/>
-              <a:t>15.06.2012</a:t>
+              <a:t>16.06.2012</a:t>
             </a:fld>
             <a:endParaRPr lang="de-DE"/>
           </a:p>
@@ -2093,7 +2389,7 @@
           <a:p>
             <a:fld id="{1BA50D42-C9CD-4801-B293-61D1F53EC57E}" type="datetimeFigureOut">
               <a:rPr lang="de-DE" smtClean="0"/>
-              <a:t>15.06.2012</a:t>
+              <a:t>16.06.2012</a:t>
             </a:fld>
             <a:endParaRPr lang="de-DE"/>
           </a:p>
@@ -2510,7 +2806,7 @@
           <a:p>
             <a:fld id="{1BA50D42-C9CD-4801-B293-61D1F53EC57E}" type="datetimeFigureOut">
               <a:rPr lang="de-DE" smtClean="0"/>
-              <a:t>15.06.2012</a:t>
+              <a:t>16.06.2012</a:t>
             </a:fld>
             <a:endParaRPr lang="de-DE"/>
           </a:p>
@@ -2623,7 +2919,7 @@
           <a:p>
             <a:fld id="{1BA50D42-C9CD-4801-B293-61D1F53EC57E}" type="datetimeFigureOut">
               <a:rPr lang="de-DE" smtClean="0"/>
-              <a:t>15.06.2012</a:t>
+              <a:t>16.06.2012</a:t>
             </a:fld>
             <a:endParaRPr lang="de-DE"/>
           </a:p>
@@ -2713,7 +3009,7 @@
           <a:p>
             <a:fld id="{1BA50D42-C9CD-4801-B293-61D1F53EC57E}" type="datetimeFigureOut">
               <a:rPr lang="de-DE" smtClean="0"/>
-              <a:t>15.06.2012</a:t>
+              <a:t>16.06.2012</a:t>
             </a:fld>
             <a:endParaRPr lang="de-DE"/>
           </a:p>
@@ -2985,7 +3281,7 @@
           <a:p>
             <a:fld id="{1BA50D42-C9CD-4801-B293-61D1F53EC57E}" type="datetimeFigureOut">
               <a:rPr lang="de-DE" smtClean="0"/>
-              <a:t>15.06.2012</a:t>
+              <a:t>16.06.2012</a:t>
             </a:fld>
             <a:endParaRPr lang="de-DE"/>
           </a:p>
@@ -3233,7 +3529,7 @@
           <a:p>
             <a:fld id="{1BA50D42-C9CD-4801-B293-61D1F53EC57E}" type="datetimeFigureOut">
               <a:rPr lang="de-DE" smtClean="0"/>
-              <a:t>15.06.2012</a:t>
+              <a:t>16.06.2012</a:t>
             </a:fld>
             <a:endParaRPr lang="de-DE"/>
           </a:p>
@@ -3441,7 +3737,7 @@
           <a:p>
             <a:fld id="{1BA50D42-C9CD-4801-B293-61D1F53EC57E}" type="datetimeFigureOut">
               <a:rPr lang="de-DE" smtClean="0"/>
-              <a:t>15.06.2012</a:t>
+              <a:t>16.06.2012</a:t>
             </a:fld>
             <a:endParaRPr lang="de-DE"/>
           </a:p>
@@ -4020,7 +4316,6 @@
               <a:rPr lang="de-CH" dirty="0" smtClean="0"/>
               <a:t>Anforderungen an die Applikation</a:t>
             </a:r>
-            <a:endParaRPr lang="de-CH" dirty="0" smtClean="0"/>
           </a:p>
           <a:p>
             <a:r>
@@ -4355,17 +4650,80 @@
             </a:r>
             <a:r>
               <a:rPr lang="de-CH" dirty="0" smtClean="0"/>
-              <a:t> aufbauen</a:t>
-            </a:r>
-          </a:p>
-          <a:p>
+              <a:t> </a:t>
+            </a:r>
             <a:r>
               <a:rPr lang="de-CH" dirty="0" smtClean="0"/>
-              <a:t> HEADER BILD</a:t>
-            </a:r>
-          </a:p>
-        </p:txBody>
-      </p:sp>
+              <a:t>aufbauen</a:t>
+            </a:r>
+            <a:endParaRPr lang="de-CH" dirty="0" smtClean="0"/>
+          </a:p>
+        </p:txBody>
+      </p:sp>
+      <p:pic>
+        <p:nvPicPr>
+          <p:cNvPr id="1026" name="Picture 2"/>
+          <p:cNvPicPr>
+            <a:picLocks noChangeAspect="1" noChangeArrowheads="1"/>
+          </p:cNvPicPr>
+          <p:nvPr/>
+        </p:nvPicPr>
+        <p:blipFill>
+          <a:blip r:embed="rId3">
+            <a:extLst>
+              <a:ext uri="{28A0092B-C50C-407E-A947-70E740481C1C}">
+                <a14:useLocalDpi xmlns:a14="http://schemas.microsoft.com/office/drawing/2010/main" val="0"/>
+              </a:ext>
+            </a:extLst>
+          </a:blip>
+          <a:srcRect/>
+          <a:stretch>
+            <a:fillRect/>
+          </a:stretch>
+        </p:blipFill>
+        <p:spPr bwMode="auto">
+          <a:xfrm>
+            <a:off x="297799" y="2996952"/>
+            <a:ext cx="8591550" cy="2146300"/>
+          </a:xfrm>
+          <a:prstGeom prst="rect">
+            <a:avLst/>
+          </a:prstGeom>
+          <a:noFill/>
+          <a:ln>
+            <a:noFill/>
+          </a:ln>
+          <a:effectLst/>
+          <a:extLst>
+            <a:ext uri="{909E8E84-426E-40DD-AFC4-6F175D3DCCD1}">
+              <a14:hiddenFill xmlns:a14="http://schemas.microsoft.com/office/drawing/2010/main">
+                <a:solidFill>
+                  <a:schemeClr val="accent1"/>
+                </a:solidFill>
+              </a14:hiddenFill>
+            </a:ext>
+            <a:ext uri="{91240B29-F687-4F45-9708-019B960494DF}">
+              <a14:hiddenLine xmlns:a14="http://schemas.microsoft.com/office/drawing/2010/main" w="9525">
+                <a:solidFill>
+                  <a:schemeClr val="tx1"/>
+                </a:solidFill>
+                <a:miter lim="800000"/>
+                <a:headEnd/>
+                <a:tailEnd/>
+              </a14:hiddenLine>
+            </a:ext>
+            <a:ext uri="{AF507438-7753-43E0-B8FC-AC1667EBCBE1}">
+              <a14:hiddenEffects xmlns:a14="http://schemas.microsoft.com/office/drawing/2010/main">
+                <a:effectLst>
+                  <a:outerShdw dist="35921" dir="2700000" algn="ctr" rotWithShape="0">
+                    <a:schemeClr val="bg2"/>
+                  </a:outerShdw>
+                </a:effectLst>
+              </a14:hiddenEffects>
+            </a:ext>
+          </a:extLst>
+        </p:spPr>
+      </p:pic>
     </p:spTree>
     <p:extLst>
       <p:ext uri="{BB962C8B-B14F-4D97-AF65-F5344CB8AC3E}">
@@ -4479,7 +4837,14 @@
             <a:pPr lvl="2"/>
             <a:r>
               <a:rPr lang="de-CH" dirty="0" smtClean="0"/>
-              <a:t>Bei WAV-Dateien  ???</a:t>
+              <a:t>Von Datei zu Datei sehr unterschiedlich, mehrere Kanäle und verschiedene Bittiefe (Auflösung)</a:t>
+            </a:r>
+          </a:p>
+          <a:p>
+            <a:pPr lvl="2"/>
+            <a:r>
+              <a:rPr lang="de-CH" dirty="0" smtClean="0"/>
+              <a:t>Samplerate kann beim Verstecken vernachlässigt werden</a:t>
             </a:r>
             <a:endParaRPr lang="de-CH" dirty="0"/>
           </a:p>
@@ -4506,6 +4871,134 @@
 </file>
 
 <file path=ppt/slides/slide7.xml><?xml version="1.0" encoding="utf-8"?>
+<p:sld xmlns:a="http://schemas.openxmlformats.org/drawingml/2006/main" xmlns:r="http://schemas.openxmlformats.org/officeDocument/2006/relationships" xmlns:p="http://schemas.openxmlformats.org/presentationml/2006/main">
+  <p:cSld>
+    <p:spTree>
+      <p:nvGrpSpPr>
+        <p:cNvPr id="1" name=""/>
+        <p:cNvGrpSpPr/>
+        <p:nvPr/>
+      </p:nvGrpSpPr>
+      <p:grpSpPr>
+        <a:xfrm>
+          <a:off x="0" y="0"/>
+          <a:ext cx="0" cy="0"/>
+          <a:chOff x="0" y="0"/>
+          <a:chExt cx="0" cy="0"/>
+        </a:xfrm>
+      </p:grpSpPr>
+      <p:sp>
+        <p:nvSpPr>
+          <p:cNvPr id="2" name="Titel 1"/>
+          <p:cNvSpPr>
+            <a:spLocks noGrp="1"/>
+          </p:cNvSpPr>
+          <p:nvPr>
+            <p:ph type="title"/>
+          </p:nvPr>
+        </p:nvSpPr>
+        <p:spPr/>
+        <p:txBody>
+          <a:bodyPr/>
+          <a:lstStyle/>
+          <a:p>
+            <a:r>
+              <a:rPr lang="de-CH" dirty="0" smtClean="0"/>
+              <a:t>Probleme</a:t>
+            </a:r>
+            <a:endParaRPr lang="de-CH" dirty="0"/>
+          </a:p>
+        </p:txBody>
+      </p:sp>
+      <p:sp>
+        <p:nvSpPr>
+          <p:cNvPr id="3" name="Inhaltsplatzhalter 2"/>
+          <p:cNvSpPr>
+            <a:spLocks noGrp="1"/>
+          </p:cNvSpPr>
+          <p:nvPr>
+            <p:ph idx="1"/>
+          </p:nvPr>
+        </p:nvSpPr>
+        <p:spPr/>
+        <p:txBody>
+          <a:bodyPr/>
+          <a:lstStyle/>
+          <a:p>
+            <a:r>
+              <a:rPr lang="de-CH" dirty="0" smtClean="0"/>
+              <a:t>Audio-Implementation</a:t>
+            </a:r>
+          </a:p>
+          <a:p>
+            <a:pPr lvl="1"/>
+            <a:r>
+              <a:rPr lang="de-CH" dirty="0" smtClean="0"/>
+              <a:t>Aufwändiger als erwartet, Zeit falsch geschätzt</a:t>
+            </a:r>
+          </a:p>
+          <a:p>
+            <a:pPr lvl="1"/>
+            <a:r>
+              <a:rPr lang="de-CH" dirty="0" smtClean="0"/>
+              <a:t>Nur eine gute </a:t>
+            </a:r>
+            <a:r>
+              <a:rPr lang="de-CH" dirty="0" err="1" smtClean="0"/>
+              <a:t>Referenzimplementation</a:t>
+            </a:r>
+            <a:r>
+              <a:rPr lang="de-CH" dirty="0" smtClean="0"/>
+              <a:t> gefunden, auch mit groben Fehlern</a:t>
+            </a:r>
+          </a:p>
+          <a:p>
+            <a:r>
+              <a:rPr lang="de-CH" dirty="0" smtClean="0"/>
+              <a:t>Pollution-Settings (optional)</a:t>
+            </a:r>
+          </a:p>
+          <a:p>
+            <a:pPr lvl="1"/>
+            <a:r>
+              <a:rPr lang="de-CH" dirty="0" smtClean="0"/>
+              <a:t>Im Code schon vorgesehen</a:t>
+            </a:r>
+          </a:p>
+          <a:p>
+            <a:pPr lvl="1"/>
+            <a:r>
+              <a:rPr lang="de-CH" dirty="0" smtClean="0"/>
+              <a:t>Aufgrund Fokus auf Audio-Implementation nicht umgesetzt</a:t>
+            </a:r>
+          </a:p>
+          <a:p>
+            <a:pPr lvl="1"/>
+            <a:endParaRPr lang="de-CH" dirty="0"/>
+          </a:p>
+        </p:txBody>
+      </p:sp>
+    </p:spTree>
+    <p:extLst>
+      <p:ext uri="{BB962C8B-B14F-4D97-AF65-F5344CB8AC3E}">
+        <p14:creationId xmlns:p14="http://schemas.microsoft.com/office/powerpoint/2010/main" val="2121771388"/>
+      </p:ext>
+    </p:extLst>
+  </p:cSld>
+  <p:clrMapOvr>
+    <a:masterClrMapping/>
+  </p:clrMapOvr>
+  <p:timing>
+    <p:tnLst>
+      <p:par>
+        <p:cTn id="1" dur="indefinite" restart="never" nodeType="tmRoot"/>
+      </p:par>
+    </p:tnLst>
+  </p:timing>
+</p:sld>
+</file>
+
+<file path=ppt/slides/slide8.xml><?xml version="1.0" encoding="utf-8"?>
 <p:sld xmlns:a="http://schemas.openxmlformats.org/drawingml/2006/main" xmlns:r="http://schemas.openxmlformats.org/officeDocument/2006/relationships" xmlns:p="http://schemas.openxmlformats.org/presentationml/2006/main">
   <p:cSld>
     <p:spTree>
